--- a/C++ шпаргалка.pptx
+++ b/C++ шпаргалка.pptx
@@ -5,22 +5,24 @@
     <p:sldMasterId id="2147483648" r:id="rId1"/>
   </p:sldMasterIdLst>
   <p:notesMasterIdLst>
-    <p:notesMasterId r:id="rId15"/>
+    <p:notesMasterId r:id="rId17"/>
   </p:notesMasterIdLst>
   <p:sldIdLst>
     <p:sldId id="256" r:id="rId2"/>
     <p:sldId id="267" r:id="rId3"/>
-    <p:sldId id="268" r:id="rId4"/>
-    <p:sldId id="257" r:id="rId5"/>
-    <p:sldId id="258" r:id="rId6"/>
-    <p:sldId id="261" r:id="rId7"/>
-    <p:sldId id="262" r:id="rId8"/>
-    <p:sldId id="260" r:id="rId9"/>
-    <p:sldId id="259" r:id="rId10"/>
-    <p:sldId id="263" r:id="rId11"/>
-    <p:sldId id="265" r:id="rId12"/>
-    <p:sldId id="264" r:id="rId13"/>
-    <p:sldId id="266" r:id="rId14"/>
+    <p:sldId id="270" r:id="rId4"/>
+    <p:sldId id="269" r:id="rId5"/>
+    <p:sldId id="268" r:id="rId6"/>
+    <p:sldId id="257" r:id="rId7"/>
+    <p:sldId id="258" r:id="rId8"/>
+    <p:sldId id="261" r:id="rId9"/>
+    <p:sldId id="262" r:id="rId10"/>
+    <p:sldId id="260" r:id="rId11"/>
+    <p:sldId id="259" r:id="rId12"/>
+    <p:sldId id="263" r:id="rId13"/>
+    <p:sldId id="265" r:id="rId14"/>
+    <p:sldId id="264" r:id="rId15"/>
+    <p:sldId id="266" r:id="rId16"/>
   </p:sldIdLst>
   <p:sldSz cx="9144000" cy="6858000" type="screen4x3"/>
   <p:notesSz cx="6858000" cy="9144000"/>
@@ -204,7 +206,8 @@
           <a:p>
             <a:fld id="{CDAE3976-D618-4618-8685-8353F885C91B}" type="datetimeFigureOut">
               <a:rPr lang="ru-RU" smtClean="0"/>
-              <a:t>18.02.2020</a:t>
+              <a:pPr/>
+              <a:t>18.02.2022</a:t>
             </a:fld>
             <a:endParaRPr lang="ru-RU"/>
           </a:p>
@@ -365,6 +368,7 @@
           <a:p>
             <a:fld id="{03E57B69-B01B-417C-93C8-D15C0509ECEB}" type="slidenum">
               <a:rPr lang="ru-RU" smtClean="0"/>
+              <a:pPr/>
               <a:t>‹#›</a:t>
             </a:fld>
             <a:endParaRPr lang="ru-RU"/>
@@ -536,6 +540,7 @@
           <a:p>
             <a:fld id="{03E57B69-B01B-417C-93C8-D15C0509ECEB}" type="slidenum">
               <a:rPr lang="ru-RU" smtClean="0"/>
+              <a:pPr/>
               <a:t>1</a:t>
             </a:fld>
             <a:endParaRPr lang="ru-RU"/>
@@ -617,6 +622,7 @@
           <a:p>
             <a:fld id="{03E57B69-B01B-417C-93C8-D15C0509ECEB}" type="slidenum">
               <a:rPr lang="ru-RU" smtClean="0"/>
+              <a:pPr/>
               <a:t>10</a:t>
             </a:fld>
             <a:endParaRPr lang="ru-RU"/>
@@ -698,6 +704,7 @@
           <a:p>
             <a:fld id="{03E57B69-B01B-417C-93C8-D15C0509ECEB}" type="slidenum">
               <a:rPr lang="ru-RU" smtClean="0"/>
+              <a:pPr/>
               <a:t>11</a:t>
             </a:fld>
             <a:endParaRPr lang="ru-RU"/>
@@ -779,6 +786,7 @@
           <a:p>
             <a:fld id="{03E57B69-B01B-417C-93C8-D15C0509ECEB}" type="slidenum">
               <a:rPr lang="ru-RU" smtClean="0"/>
+              <a:pPr/>
               <a:t>12</a:t>
             </a:fld>
             <a:endParaRPr lang="ru-RU"/>
@@ -860,7 +868,172 @@
           <a:p>
             <a:fld id="{03E57B69-B01B-417C-93C8-D15C0509ECEB}" type="slidenum">
               <a:rPr lang="ru-RU" smtClean="0"/>
+              <a:pPr/>
               <a:t>13</a:t>
+            </a:fld>
+            <a:endParaRPr lang="ru-RU"/>
+          </a:p>
+        </p:txBody>
+      </p:sp>
+    </p:spTree>
+  </p:cSld>
+  <p:clrMapOvr>
+    <a:masterClrMapping/>
+  </p:clrMapOvr>
+</p:notes>
+</file>
+
+<file path=ppt/notesSlides/notesSlide14.xml><?xml version="1.0" encoding="utf-8"?>
+<p:notes xmlns:a="http://schemas.openxmlformats.org/drawingml/2006/main" xmlns:r="http://schemas.openxmlformats.org/officeDocument/2006/relationships" xmlns:p="http://schemas.openxmlformats.org/presentationml/2006/main">
+  <p:cSld>
+    <p:spTree>
+      <p:nvGrpSpPr>
+        <p:cNvPr id="1" name=""/>
+        <p:cNvGrpSpPr/>
+        <p:nvPr/>
+      </p:nvGrpSpPr>
+      <p:grpSpPr>
+        <a:xfrm>
+          <a:off x="0" y="0"/>
+          <a:ext cx="0" cy="0"/>
+          <a:chOff x="0" y="0"/>
+          <a:chExt cx="0" cy="0"/>
+        </a:xfrm>
+      </p:grpSpPr>
+      <p:sp>
+        <p:nvSpPr>
+          <p:cNvPr id="2" name="Образ слайда 1"/>
+          <p:cNvSpPr>
+            <a:spLocks noGrp="1" noRot="1" noChangeAspect="1"/>
+          </p:cNvSpPr>
+          <p:nvPr>
+            <p:ph type="sldImg"/>
+          </p:nvPr>
+        </p:nvSpPr>
+        <p:spPr/>
+      </p:sp>
+      <p:sp>
+        <p:nvSpPr>
+          <p:cNvPr id="3" name="Заметки 2"/>
+          <p:cNvSpPr>
+            <a:spLocks noGrp="1"/>
+          </p:cNvSpPr>
+          <p:nvPr>
+            <p:ph type="body" idx="1"/>
+          </p:nvPr>
+        </p:nvSpPr>
+        <p:spPr/>
+        <p:txBody>
+          <a:bodyPr>
+            <a:normAutofit/>
+          </a:bodyPr>
+          <a:lstStyle/>
+          <a:p>
+            <a:endParaRPr lang="ru-RU"/>
+          </a:p>
+        </p:txBody>
+      </p:sp>
+      <p:sp>
+        <p:nvSpPr>
+          <p:cNvPr id="4" name="Номер слайда 3"/>
+          <p:cNvSpPr>
+            <a:spLocks noGrp="1"/>
+          </p:cNvSpPr>
+          <p:nvPr>
+            <p:ph type="sldNum" sz="quarter" idx="10"/>
+          </p:nvPr>
+        </p:nvSpPr>
+        <p:spPr/>
+        <p:txBody>
+          <a:bodyPr/>
+          <a:lstStyle/>
+          <a:p>
+            <a:fld id="{03E57B69-B01B-417C-93C8-D15C0509ECEB}" type="slidenum">
+              <a:rPr lang="ru-RU" smtClean="0"/>
+              <a:pPr/>
+              <a:t>14</a:t>
+            </a:fld>
+            <a:endParaRPr lang="ru-RU"/>
+          </a:p>
+        </p:txBody>
+      </p:sp>
+    </p:spTree>
+  </p:cSld>
+  <p:clrMapOvr>
+    <a:masterClrMapping/>
+  </p:clrMapOvr>
+</p:notes>
+</file>
+
+<file path=ppt/notesSlides/notesSlide15.xml><?xml version="1.0" encoding="utf-8"?>
+<p:notes xmlns:a="http://schemas.openxmlformats.org/drawingml/2006/main" xmlns:r="http://schemas.openxmlformats.org/officeDocument/2006/relationships" xmlns:p="http://schemas.openxmlformats.org/presentationml/2006/main">
+  <p:cSld>
+    <p:spTree>
+      <p:nvGrpSpPr>
+        <p:cNvPr id="1" name=""/>
+        <p:cNvGrpSpPr/>
+        <p:nvPr/>
+      </p:nvGrpSpPr>
+      <p:grpSpPr>
+        <a:xfrm>
+          <a:off x="0" y="0"/>
+          <a:ext cx="0" cy="0"/>
+          <a:chOff x="0" y="0"/>
+          <a:chExt cx="0" cy="0"/>
+        </a:xfrm>
+      </p:grpSpPr>
+      <p:sp>
+        <p:nvSpPr>
+          <p:cNvPr id="2" name="Образ слайда 1"/>
+          <p:cNvSpPr>
+            <a:spLocks noGrp="1" noRot="1" noChangeAspect="1"/>
+          </p:cNvSpPr>
+          <p:nvPr>
+            <p:ph type="sldImg"/>
+          </p:nvPr>
+        </p:nvSpPr>
+        <p:spPr/>
+      </p:sp>
+      <p:sp>
+        <p:nvSpPr>
+          <p:cNvPr id="3" name="Заметки 2"/>
+          <p:cNvSpPr>
+            <a:spLocks noGrp="1"/>
+          </p:cNvSpPr>
+          <p:nvPr>
+            <p:ph type="body" idx="1"/>
+          </p:nvPr>
+        </p:nvSpPr>
+        <p:spPr/>
+        <p:txBody>
+          <a:bodyPr>
+            <a:normAutofit/>
+          </a:bodyPr>
+          <a:lstStyle/>
+          <a:p>
+            <a:endParaRPr lang="ru-RU"/>
+          </a:p>
+        </p:txBody>
+      </p:sp>
+      <p:sp>
+        <p:nvSpPr>
+          <p:cNvPr id="4" name="Номер слайда 3"/>
+          <p:cNvSpPr>
+            <a:spLocks noGrp="1"/>
+          </p:cNvSpPr>
+          <p:nvPr>
+            <p:ph type="sldNum" sz="quarter" idx="10"/>
+          </p:nvPr>
+        </p:nvSpPr>
+        <p:spPr/>
+        <p:txBody>
+          <a:bodyPr/>
+          <a:lstStyle/>
+          <a:p>
+            <a:fld id="{03E57B69-B01B-417C-93C8-D15C0509ECEB}" type="slidenum">
+              <a:rPr lang="ru-RU" smtClean="0"/>
+              <a:pPr/>
+              <a:t>15</a:t>
             </a:fld>
             <a:endParaRPr lang="ru-RU"/>
           </a:p>
@@ -941,6 +1114,7 @@
           <a:p>
             <a:fld id="{03E57B69-B01B-417C-93C8-D15C0509ECEB}" type="slidenum">
               <a:rPr lang="ru-RU" smtClean="0"/>
+              <a:pPr/>
               <a:t>2</a:t>
             </a:fld>
             <a:endParaRPr lang="ru-RU"/>
@@ -1022,6 +1196,7 @@
           <a:p>
             <a:fld id="{03E57B69-B01B-417C-93C8-D15C0509ECEB}" type="slidenum">
               <a:rPr lang="ru-RU" smtClean="0"/>
+              <a:pPr/>
               <a:t>3</a:t>
             </a:fld>
             <a:endParaRPr lang="ru-RU"/>
@@ -1103,6 +1278,7 @@
           <a:p>
             <a:fld id="{03E57B69-B01B-417C-93C8-D15C0509ECEB}" type="slidenum">
               <a:rPr lang="ru-RU" smtClean="0"/>
+              <a:pPr/>
               <a:t>4</a:t>
             </a:fld>
             <a:endParaRPr lang="ru-RU"/>
@@ -1184,6 +1360,7 @@
           <a:p>
             <a:fld id="{03E57B69-B01B-417C-93C8-D15C0509ECEB}" type="slidenum">
               <a:rPr lang="ru-RU" smtClean="0"/>
+              <a:pPr/>
               <a:t>5</a:t>
             </a:fld>
             <a:endParaRPr lang="ru-RU"/>
@@ -1265,6 +1442,7 @@
           <a:p>
             <a:fld id="{03E57B69-B01B-417C-93C8-D15C0509ECEB}" type="slidenum">
               <a:rPr lang="ru-RU" smtClean="0"/>
+              <a:pPr/>
               <a:t>6</a:t>
             </a:fld>
             <a:endParaRPr lang="ru-RU"/>
@@ -1346,6 +1524,7 @@
           <a:p>
             <a:fld id="{03E57B69-B01B-417C-93C8-D15C0509ECEB}" type="slidenum">
               <a:rPr lang="ru-RU" smtClean="0"/>
+              <a:pPr/>
               <a:t>7</a:t>
             </a:fld>
             <a:endParaRPr lang="ru-RU"/>
@@ -1427,6 +1606,7 @@
           <a:p>
             <a:fld id="{03E57B69-B01B-417C-93C8-D15C0509ECEB}" type="slidenum">
               <a:rPr lang="ru-RU" smtClean="0"/>
+              <a:pPr/>
               <a:t>8</a:t>
             </a:fld>
             <a:endParaRPr lang="ru-RU"/>
@@ -1508,6 +1688,7 @@
           <a:p>
             <a:fld id="{03E57B69-B01B-417C-93C8-D15C0509ECEB}" type="slidenum">
               <a:rPr lang="ru-RU" smtClean="0"/>
+              <a:pPr/>
               <a:t>9</a:t>
             </a:fld>
             <a:endParaRPr lang="ru-RU"/>
@@ -1704,7 +1885,7 @@
             <a:fld id="{1711C83D-B923-45A4-95F7-B2AB90C649C7}" type="datetimeFigureOut">
               <a:rPr lang="ru-RU" smtClean="0"/>
               <a:pPr/>
-              <a:t>18.02.2020</a:t>
+              <a:t>18.02.2022</a:t>
             </a:fld>
             <a:endParaRPr lang="ru-RU"/>
           </a:p>
@@ -1871,7 +2052,7 @@
             <a:fld id="{1711C83D-B923-45A4-95F7-B2AB90C649C7}" type="datetimeFigureOut">
               <a:rPr lang="ru-RU" smtClean="0"/>
               <a:pPr/>
-              <a:t>18.02.2020</a:t>
+              <a:t>18.02.2022</a:t>
             </a:fld>
             <a:endParaRPr lang="ru-RU"/>
           </a:p>
@@ -2048,7 +2229,7 @@
             <a:fld id="{1711C83D-B923-45A4-95F7-B2AB90C649C7}" type="datetimeFigureOut">
               <a:rPr lang="ru-RU" smtClean="0"/>
               <a:pPr/>
-              <a:t>18.02.2020</a:t>
+              <a:t>18.02.2022</a:t>
             </a:fld>
             <a:endParaRPr lang="ru-RU"/>
           </a:p>
@@ -2215,7 +2396,7 @@
             <a:fld id="{1711C83D-B923-45A4-95F7-B2AB90C649C7}" type="datetimeFigureOut">
               <a:rPr lang="ru-RU" smtClean="0"/>
               <a:pPr/>
-              <a:t>18.02.2020</a:t>
+              <a:t>18.02.2022</a:t>
             </a:fld>
             <a:endParaRPr lang="ru-RU"/>
           </a:p>
@@ -2458,7 +2639,7 @@
             <a:fld id="{1711C83D-B923-45A4-95F7-B2AB90C649C7}" type="datetimeFigureOut">
               <a:rPr lang="ru-RU" smtClean="0"/>
               <a:pPr/>
-              <a:t>18.02.2020</a:t>
+              <a:t>18.02.2022</a:t>
             </a:fld>
             <a:endParaRPr lang="ru-RU"/>
           </a:p>
@@ -2743,7 +2924,7 @@
             <a:fld id="{1711C83D-B923-45A4-95F7-B2AB90C649C7}" type="datetimeFigureOut">
               <a:rPr lang="ru-RU" smtClean="0"/>
               <a:pPr/>
-              <a:t>18.02.2020</a:t>
+              <a:t>18.02.2022</a:t>
             </a:fld>
             <a:endParaRPr lang="ru-RU"/>
           </a:p>
@@ -3162,7 +3343,7 @@
             <a:fld id="{1711C83D-B923-45A4-95F7-B2AB90C649C7}" type="datetimeFigureOut">
               <a:rPr lang="ru-RU" smtClean="0"/>
               <a:pPr/>
-              <a:t>18.02.2020</a:t>
+              <a:t>18.02.2022</a:t>
             </a:fld>
             <a:endParaRPr lang="ru-RU"/>
           </a:p>
@@ -3277,7 +3458,7 @@
             <a:fld id="{1711C83D-B923-45A4-95F7-B2AB90C649C7}" type="datetimeFigureOut">
               <a:rPr lang="ru-RU" smtClean="0"/>
               <a:pPr/>
-              <a:t>18.02.2020</a:t>
+              <a:t>18.02.2022</a:t>
             </a:fld>
             <a:endParaRPr lang="ru-RU"/>
           </a:p>
@@ -3369,7 +3550,7 @@
             <a:fld id="{1711C83D-B923-45A4-95F7-B2AB90C649C7}" type="datetimeFigureOut">
               <a:rPr lang="ru-RU" smtClean="0"/>
               <a:pPr/>
-              <a:t>18.02.2020</a:t>
+              <a:t>18.02.2022</a:t>
             </a:fld>
             <a:endParaRPr lang="ru-RU"/>
           </a:p>
@@ -3643,7 +3824,7 @@
             <a:fld id="{1711C83D-B923-45A4-95F7-B2AB90C649C7}" type="datetimeFigureOut">
               <a:rPr lang="ru-RU" smtClean="0"/>
               <a:pPr/>
-              <a:t>18.02.2020</a:t>
+              <a:t>18.02.2022</a:t>
             </a:fld>
             <a:endParaRPr lang="ru-RU"/>
           </a:p>
@@ -3893,7 +4074,7 @@
             <a:fld id="{1711C83D-B923-45A4-95F7-B2AB90C649C7}" type="datetimeFigureOut">
               <a:rPr lang="ru-RU" smtClean="0"/>
               <a:pPr/>
-              <a:t>18.02.2020</a:t>
+              <a:t>18.02.2022</a:t>
             </a:fld>
             <a:endParaRPr lang="ru-RU"/>
           </a:p>
@@ -4103,7 +4284,7 @@
             <a:fld id="{1711C83D-B923-45A4-95F7-B2AB90C649C7}" type="datetimeFigureOut">
               <a:rPr lang="ru-RU" smtClean="0"/>
               <a:pPr/>
-              <a:t>18.02.2020</a:t>
+              <a:t>18.02.2022</a:t>
             </a:fld>
             <a:endParaRPr lang="ru-RU"/>
           </a:p>
@@ -4558,7 +4739,7 @@
           <a:p>
             <a:r>
               <a:rPr lang="ru-RU" dirty="0" smtClean="0"/>
-              <a:t>Перегрузка операций</a:t>
+              <a:t>Наследование</a:t>
             </a:r>
             <a:endParaRPr lang="ru-RU" dirty="0"/>
           </a:p>
@@ -4574,160 +4755,172 @@
             <p:ph idx="1"/>
           </p:nvPr>
         </p:nvSpPr>
-        <p:spPr/>
+        <p:spPr>
+          <a:xfrm>
+            <a:off x="457200" y="1600200"/>
+            <a:ext cx="8229600" cy="4900634"/>
+          </a:xfrm>
+        </p:spPr>
         <p:txBody>
           <a:bodyPr>
-            <a:normAutofit/>
+            <a:normAutofit lnSpcReduction="10000"/>
           </a:bodyPr>
           <a:lstStyle/>
           <a:p>
             <a:pPr fontAlgn="base"/>
             <a:r>
-              <a:rPr lang="ru-RU" dirty="0" smtClean="0"/>
-              <a:t>Бинарные  операции:</a:t>
+              <a:rPr lang="ru-RU" dirty="0" err="1" smtClean="0"/>
+              <a:t>class</a:t>
+            </a:r>
+            <a:r>
+              <a:rPr lang="ru-RU" dirty="0" smtClean="0"/>
+              <a:t> /*Базовый класс 1*/</a:t>
+            </a:r>
+          </a:p>
+          <a:p>
+            <a:pPr fontAlgn="base"/>
+            <a:r>
+              <a:rPr lang="ru-RU" dirty="0" smtClean="0"/>
+              <a:t>{ … };</a:t>
             </a:r>
             <a:endParaRPr lang="en-US" dirty="0" smtClean="0"/>
           </a:p>
           <a:p>
             <a:pPr fontAlgn="base"/>
             <a:r>
-              <a:rPr lang="ru-RU" dirty="0" smtClean="0"/>
-              <a:t>В классе:</a:t>
-            </a:r>
-            <a:endParaRPr lang="en-US" dirty="0" smtClean="0"/>
-          </a:p>
-          <a:p>
-            <a:pPr lvl="1" fontAlgn="base"/>
-            <a:r>
               <a:rPr lang="en-US" dirty="0" smtClean="0"/>
-              <a:t>{</a:t>
-            </a:r>
-            <a:r>
-              <a:rPr lang="ru-RU" dirty="0" smtClean="0"/>
-              <a:t>Тип возвращаемого значения</a:t>
+              <a:t>…</a:t>
+            </a:r>
+            <a:endParaRPr lang="ru-RU" dirty="0" smtClean="0"/>
+          </a:p>
+          <a:p>
+            <a:pPr fontAlgn="base"/>
+            <a:r>
+              <a:rPr lang="ru-RU" dirty="0" err="1" smtClean="0"/>
+              <a:t>class</a:t>
+            </a:r>
+            <a:r>
+              <a:rPr lang="ru-RU" dirty="0" smtClean="0"/>
+              <a:t> /*Базовый класс </a:t>
             </a:r>
             <a:r>
               <a:rPr lang="en-US" dirty="0" smtClean="0"/>
-              <a:t>} operator {</a:t>
-            </a:r>
-            <a:r>
-              <a:rPr lang="ru-RU" dirty="0" smtClean="0"/>
-              <a:t>знак операции</a:t>
+              <a:t>N</a:t>
+            </a:r>
+            <a:r>
+              <a:rPr lang="ru-RU" dirty="0" smtClean="0"/>
+              <a:t>*/</a:t>
+            </a:r>
+          </a:p>
+          <a:p>
+            <a:pPr fontAlgn="base"/>
+            <a:r>
+              <a:rPr lang="ru-RU" dirty="0" smtClean="0"/>
+              <a:t>{ … };</a:t>
+            </a:r>
+          </a:p>
+          <a:p>
+            <a:pPr fontAlgn="base"/>
+            <a:r>
+              <a:rPr lang="ru-RU" dirty="0" err="1" smtClean="0"/>
+              <a:t>class</a:t>
+            </a:r>
+            <a:r>
+              <a:rPr lang="ru-RU" dirty="0" smtClean="0"/>
+              <a:t> /*Наследник*/ : </a:t>
+            </a:r>
+            <a:r>
+              <a:rPr lang="ru-RU" dirty="0" err="1" smtClean="0"/>
+              <a:t>private</a:t>
+            </a:r>
+            <a:r>
+              <a:rPr lang="ru-RU" dirty="0" smtClean="0"/>
+              <a:t> </a:t>
             </a:r>
             <a:r>
               <a:rPr lang="en-US" dirty="0" smtClean="0"/>
-              <a:t>}</a:t>
-            </a:r>
-            <a:r>
-              <a:rPr lang="ru-RU" dirty="0" smtClean="0"/>
-              <a:t> (</a:t>
+              <a:t>|</a:t>
+            </a:r>
+            <a:r>
+              <a:rPr lang="ru-RU" dirty="0" smtClean="0"/>
+              <a:t> </a:t>
+            </a:r>
+            <a:r>
+              <a:rPr lang="ru-RU" dirty="0" err="1" smtClean="0"/>
+              <a:t>protected</a:t>
             </a:r>
             <a:r>
               <a:rPr lang="en-US" dirty="0" smtClean="0"/>
-              <a:t>{</a:t>
-            </a:r>
-            <a:r>
-              <a:rPr lang="ru-RU" dirty="0" smtClean="0"/>
-              <a:t>Тип параметра</a:t>
+              <a:t> | </a:t>
+            </a:r>
+            <a:r>
+              <a:rPr lang="ru-RU" dirty="0" err="1" smtClean="0"/>
+              <a:t>public</a:t>
             </a:r>
             <a:r>
               <a:rPr lang="en-US" dirty="0" smtClean="0"/>
-              <a:t>} {</a:t>
-            </a:r>
-            <a:r>
-              <a:rPr lang="ru-RU" dirty="0" smtClean="0"/>
-              <a:t>имя параметра</a:t>
+              <a:t> </a:t>
+            </a:r>
+            <a:r>
+              <a:rPr lang="ru-RU" dirty="0" smtClean="0"/>
+              <a:t>Базовый класс 1</a:t>
             </a:r>
             <a:r>
               <a:rPr lang="en-US" dirty="0" smtClean="0"/>
-              <a:t>}</a:t>
-            </a:r>
-            <a:r>
-              <a:rPr lang="ru-RU" dirty="0" smtClean="0"/>
-              <a:t>);</a:t>
-            </a:r>
+              <a:t>, …, </a:t>
+            </a:r>
+            <a:r>
+              <a:rPr lang="ru-RU" dirty="0" err="1" smtClean="0"/>
+              <a:t>private</a:t>
+            </a:r>
+            <a:r>
+              <a:rPr lang="ru-RU" dirty="0" smtClean="0"/>
+              <a:t> </a:t>
+            </a:r>
+            <a:r>
+              <a:rPr lang="en-US" dirty="0" smtClean="0"/>
+              <a:t>|</a:t>
+            </a:r>
+            <a:r>
+              <a:rPr lang="ru-RU" dirty="0" smtClean="0"/>
+              <a:t> </a:t>
+            </a:r>
+            <a:r>
+              <a:rPr lang="ru-RU" dirty="0" err="1" smtClean="0"/>
+              <a:t>protected</a:t>
+            </a:r>
+            <a:r>
+              <a:rPr lang="en-US" dirty="0" smtClean="0"/>
+              <a:t> | </a:t>
+            </a:r>
+            <a:r>
+              <a:rPr lang="ru-RU" dirty="0" err="1" smtClean="0"/>
+              <a:t>public</a:t>
+            </a:r>
+            <a:r>
+              <a:rPr lang="en-US" dirty="0" smtClean="0"/>
+              <a:t> </a:t>
+            </a:r>
+            <a:r>
+              <a:rPr lang="ru-RU" dirty="0" smtClean="0"/>
+              <a:t>Базовый класс </a:t>
+            </a:r>
+            <a:r>
+              <a:rPr lang="en-US" dirty="0" smtClean="0"/>
+              <a:t>N</a:t>
+            </a:r>
+            <a:endParaRPr lang="ru-RU" dirty="0" smtClean="0"/>
           </a:p>
           <a:p>
             <a:pPr fontAlgn="base"/>
             <a:r>
               <a:rPr lang="ru-RU" dirty="0" smtClean="0"/>
-              <a:t>Отдельная функция:</a:t>
-            </a:r>
-          </a:p>
-          <a:p>
-            <a:pPr lvl="1" fontAlgn="base"/>
-            <a:r>
-              <a:rPr lang="en-US" dirty="0" smtClean="0"/>
-              <a:t>{</a:t>
-            </a:r>
-            <a:r>
-              <a:rPr lang="ru-RU" dirty="0" smtClean="0"/>
-              <a:t>Тип возвращаемого значения</a:t>
-            </a:r>
-            <a:r>
-              <a:rPr lang="en-US" dirty="0" smtClean="0"/>
-              <a:t>} operator {</a:t>
-            </a:r>
-            <a:r>
-              <a:rPr lang="ru-RU" dirty="0" smtClean="0"/>
-              <a:t>знак операции</a:t>
-            </a:r>
-            <a:r>
-              <a:rPr lang="en-US" dirty="0" smtClean="0"/>
-              <a:t>}</a:t>
-            </a:r>
-            <a:r>
-              <a:rPr lang="ru-RU" dirty="0" smtClean="0"/>
-              <a:t> (</a:t>
-            </a:r>
-            <a:r>
-              <a:rPr lang="en-US" dirty="0" smtClean="0"/>
-              <a:t>{</a:t>
-            </a:r>
-            <a:r>
-              <a:rPr lang="ru-RU" dirty="0" smtClean="0"/>
-              <a:t>Тип параметра</a:t>
-            </a:r>
-            <a:r>
-              <a:rPr lang="en-US" dirty="0" smtClean="0"/>
-              <a:t>} {</a:t>
-            </a:r>
-            <a:r>
-              <a:rPr lang="ru-RU" dirty="0" smtClean="0"/>
-              <a:t>имя параметра</a:t>
-            </a:r>
-            <a:r>
-              <a:rPr lang="en-US" dirty="0" smtClean="0"/>
-              <a:t> 1}, {</a:t>
-            </a:r>
-            <a:r>
-              <a:rPr lang="ru-RU" dirty="0" smtClean="0"/>
-              <a:t>Тип параметра</a:t>
-            </a:r>
-            <a:r>
-              <a:rPr lang="en-US" dirty="0" smtClean="0"/>
-              <a:t>} {</a:t>
-            </a:r>
-            <a:r>
-              <a:rPr lang="ru-RU" dirty="0" smtClean="0"/>
-              <a:t>имя параметра</a:t>
-            </a:r>
-            <a:r>
-              <a:rPr lang="en-US" dirty="0" smtClean="0"/>
-              <a:t> 2}</a:t>
-            </a:r>
-            <a:r>
-              <a:rPr lang="ru-RU" dirty="0" smtClean="0"/>
-              <a:t>);</a:t>
+              <a:t>{ … };</a:t>
             </a:r>
           </a:p>
           <a:p>
             <a:pPr fontAlgn="base"/>
-            <a:endParaRPr lang="ru-RU" dirty="0" smtClean="0"/>
-          </a:p>
-          <a:p>
-            <a:pPr fontAlgn="base"/>
-            <a:endParaRPr lang="en-US" dirty="0" smtClean="0"/>
+            <a:endParaRPr lang="ru-RU" dirty="0"/>
           </a:p>
         </p:txBody>
       </p:sp>
@@ -4740,1597 +4933,6 @@
 </file>
 
 <file path=ppt/slides/slide11.xml><?xml version="1.0" encoding="utf-8"?>
-<p:sld xmlns:a="http://schemas.openxmlformats.org/drawingml/2006/main" xmlns:r="http://schemas.openxmlformats.org/officeDocument/2006/relationships" xmlns:p="http://schemas.openxmlformats.org/presentationml/2006/main">
-  <p:cSld>
-    <p:spTree>
-      <p:nvGrpSpPr>
-        <p:cNvPr id="1" name=""/>
-        <p:cNvGrpSpPr/>
-        <p:nvPr/>
-      </p:nvGrpSpPr>
-      <p:grpSpPr>
-        <a:xfrm>
-          <a:off x="0" y="0"/>
-          <a:ext cx="0" cy="0"/>
-          <a:chOff x="0" y="0"/>
-          <a:chExt cx="0" cy="0"/>
-        </a:xfrm>
-      </p:grpSpPr>
-      <p:sp>
-        <p:nvSpPr>
-          <p:cNvPr id="2" name="Заголовок 1"/>
-          <p:cNvSpPr>
-            <a:spLocks noGrp="1"/>
-          </p:cNvSpPr>
-          <p:nvPr>
-            <p:ph type="title"/>
-          </p:nvPr>
-        </p:nvSpPr>
-        <p:spPr/>
-        <p:txBody>
-          <a:bodyPr/>
-          <a:lstStyle/>
-          <a:p>
-            <a:r>
-              <a:rPr lang="ru-RU" dirty="0" smtClean="0"/>
-              <a:t>Перегрузка операций</a:t>
-            </a:r>
-            <a:endParaRPr lang="ru-RU" dirty="0"/>
-          </a:p>
-        </p:txBody>
-      </p:sp>
-      <p:sp>
-        <p:nvSpPr>
-          <p:cNvPr id="3" name="Содержимое 2"/>
-          <p:cNvSpPr>
-            <a:spLocks noGrp="1"/>
-          </p:cNvSpPr>
-          <p:nvPr>
-            <p:ph idx="1"/>
-          </p:nvPr>
-        </p:nvSpPr>
-        <p:spPr/>
-        <p:txBody>
-          <a:bodyPr>
-            <a:normAutofit fontScale="85000" lnSpcReduction="20000"/>
-          </a:bodyPr>
-          <a:lstStyle/>
-          <a:p>
-            <a:pPr fontAlgn="base"/>
-            <a:r>
-              <a:rPr lang="ru-RU" dirty="0" smtClean="0"/>
-              <a:t>Унарные операции:</a:t>
-            </a:r>
-            <a:endParaRPr lang="en-US" dirty="0" smtClean="0"/>
-          </a:p>
-          <a:p>
-            <a:pPr fontAlgn="base"/>
-            <a:r>
-              <a:rPr lang="ru-RU" dirty="0" smtClean="0"/>
-              <a:t>В классе:</a:t>
-            </a:r>
-          </a:p>
-          <a:p>
-            <a:pPr lvl="1" fontAlgn="base"/>
-            <a:r>
-              <a:rPr lang="en-US" dirty="0" smtClean="0"/>
-              <a:t>{</a:t>
-            </a:r>
-            <a:r>
-              <a:rPr lang="ru-RU" dirty="0" smtClean="0"/>
-              <a:t>Тип возвращаемого значения</a:t>
-            </a:r>
-            <a:r>
-              <a:rPr lang="en-US" dirty="0" smtClean="0"/>
-              <a:t>} operator {</a:t>
-            </a:r>
-            <a:r>
-              <a:rPr lang="ru-RU" dirty="0" smtClean="0"/>
-              <a:t>знак операции</a:t>
-            </a:r>
-            <a:r>
-              <a:rPr lang="en-US" dirty="0" smtClean="0"/>
-              <a:t>}</a:t>
-            </a:r>
-            <a:r>
-              <a:rPr lang="ru-RU" dirty="0" smtClean="0"/>
-              <a:t> (); // префиксная форма</a:t>
-            </a:r>
-          </a:p>
-          <a:p>
-            <a:pPr lvl="1" fontAlgn="base"/>
-            <a:r>
-              <a:rPr lang="en-US" dirty="0" smtClean="0"/>
-              <a:t>{</a:t>
-            </a:r>
-            <a:r>
-              <a:rPr lang="ru-RU" dirty="0" smtClean="0"/>
-              <a:t>Тип возвращаемого значения</a:t>
-            </a:r>
-            <a:r>
-              <a:rPr lang="en-US" dirty="0" smtClean="0"/>
-              <a:t>} operator {</a:t>
-            </a:r>
-            <a:r>
-              <a:rPr lang="ru-RU" dirty="0" smtClean="0"/>
-              <a:t>знак операции</a:t>
-            </a:r>
-            <a:r>
-              <a:rPr lang="en-US" dirty="0" smtClean="0"/>
-              <a:t>}</a:t>
-            </a:r>
-            <a:r>
-              <a:rPr lang="ru-RU" dirty="0" smtClean="0"/>
-              <a:t> (</a:t>
-            </a:r>
-            <a:r>
-              <a:rPr lang="en-US" dirty="0" err="1" smtClean="0"/>
-              <a:t>int</a:t>
-            </a:r>
-            <a:r>
-              <a:rPr lang="ru-RU" dirty="0" smtClean="0"/>
-              <a:t>); // постфиксная форма</a:t>
-            </a:r>
-            <a:endParaRPr lang="en-US" dirty="0" smtClean="0"/>
-          </a:p>
-          <a:p>
-            <a:pPr fontAlgn="base"/>
-            <a:r>
-              <a:rPr lang="ru-RU" dirty="0" smtClean="0"/>
-              <a:t>Отдельная функция:</a:t>
-            </a:r>
-            <a:endParaRPr lang="en-US" dirty="0" smtClean="0"/>
-          </a:p>
-          <a:p>
-            <a:pPr lvl="1" fontAlgn="base"/>
-            <a:r>
-              <a:rPr lang="en-US" dirty="0" smtClean="0"/>
-              <a:t>{</a:t>
-            </a:r>
-            <a:r>
-              <a:rPr lang="ru-RU" dirty="0" smtClean="0"/>
-              <a:t>Тип возвращаемого значения</a:t>
-            </a:r>
-            <a:r>
-              <a:rPr lang="en-US" dirty="0" smtClean="0"/>
-              <a:t>} operator {</a:t>
-            </a:r>
-            <a:r>
-              <a:rPr lang="ru-RU" dirty="0" smtClean="0"/>
-              <a:t>знак операции</a:t>
-            </a:r>
-            <a:r>
-              <a:rPr lang="en-US" dirty="0" smtClean="0"/>
-              <a:t>}</a:t>
-            </a:r>
-            <a:r>
-              <a:rPr lang="ru-RU" dirty="0" smtClean="0"/>
-              <a:t> (</a:t>
-            </a:r>
-            <a:r>
-              <a:rPr lang="en-US" dirty="0" smtClean="0"/>
-              <a:t>{</a:t>
-            </a:r>
-            <a:r>
-              <a:rPr lang="ru-RU" dirty="0" smtClean="0"/>
-              <a:t>Тип параметра</a:t>
-            </a:r>
-            <a:r>
-              <a:rPr lang="en-US" dirty="0" smtClean="0"/>
-              <a:t>} {</a:t>
-            </a:r>
-            <a:r>
-              <a:rPr lang="ru-RU" dirty="0" smtClean="0"/>
-              <a:t>имя параметра</a:t>
-            </a:r>
-            <a:r>
-              <a:rPr lang="en-US" dirty="0" smtClean="0"/>
-              <a:t>}</a:t>
-            </a:r>
-            <a:r>
-              <a:rPr lang="ru-RU" dirty="0" smtClean="0"/>
-              <a:t>); // префиксная форма</a:t>
-            </a:r>
-          </a:p>
-          <a:p>
-            <a:pPr lvl="1" fontAlgn="base"/>
-            <a:r>
-              <a:rPr lang="en-US" dirty="0" smtClean="0"/>
-              <a:t>{</a:t>
-            </a:r>
-            <a:r>
-              <a:rPr lang="ru-RU" dirty="0" smtClean="0"/>
-              <a:t>Тип возвращаемого значения</a:t>
-            </a:r>
-            <a:r>
-              <a:rPr lang="en-US" dirty="0" smtClean="0"/>
-              <a:t>} operator {</a:t>
-            </a:r>
-            <a:r>
-              <a:rPr lang="ru-RU" dirty="0" smtClean="0"/>
-              <a:t>знак операции</a:t>
-            </a:r>
-            <a:r>
-              <a:rPr lang="en-US" dirty="0" smtClean="0"/>
-              <a:t>}</a:t>
-            </a:r>
-            <a:r>
-              <a:rPr lang="ru-RU" dirty="0" smtClean="0"/>
-              <a:t> (</a:t>
-            </a:r>
-            <a:r>
-              <a:rPr lang="en-US" dirty="0" smtClean="0"/>
-              <a:t>{</a:t>
-            </a:r>
-            <a:r>
-              <a:rPr lang="ru-RU" dirty="0" smtClean="0"/>
-              <a:t>Тип параметра</a:t>
-            </a:r>
-            <a:r>
-              <a:rPr lang="en-US" dirty="0" smtClean="0"/>
-              <a:t>} {</a:t>
-            </a:r>
-            <a:r>
-              <a:rPr lang="ru-RU" dirty="0" smtClean="0"/>
-              <a:t>имя параметра</a:t>
-            </a:r>
-            <a:r>
-              <a:rPr lang="en-US" dirty="0" smtClean="0"/>
-              <a:t>} , </a:t>
-            </a:r>
-            <a:r>
-              <a:rPr lang="en-US" dirty="0" err="1" smtClean="0"/>
-              <a:t>int</a:t>
-            </a:r>
-            <a:r>
-              <a:rPr lang="ru-RU" dirty="0" smtClean="0"/>
-              <a:t>); // постфиксная форма</a:t>
-            </a:r>
-            <a:endParaRPr lang="en-US" dirty="0" smtClean="0"/>
-          </a:p>
-          <a:p>
-            <a:pPr fontAlgn="base"/>
-            <a:endParaRPr lang="ru-RU" dirty="0" smtClean="0"/>
-          </a:p>
-          <a:p>
-            <a:pPr lvl="1" fontAlgn="base"/>
-            <a:endParaRPr lang="ru-RU" dirty="0" smtClean="0"/>
-          </a:p>
-          <a:p>
-            <a:pPr fontAlgn="base"/>
-            <a:endParaRPr lang="ru-RU" dirty="0" smtClean="0"/>
-          </a:p>
-          <a:p>
-            <a:pPr fontAlgn="base"/>
-            <a:endParaRPr lang="en-US" dirty="0" smtClean="0"/>
-          </a:p>
-        </p:txBody>
-      </p:sp>
-    </p:spTree>
-  </p:cSld>
-  <p:clrMapOvr>
-    <a:masterClrMapping/>
-  </p:clrMapOvr>
-</p:sld>
-</file>
-
-<file path=ppt/slides/slide12.xml><?xml version="1.0" encoding="utf-8"?>
-<p:sld xmlns:a="http://schemas.openxmlformats.org/drawingml/2006/main" xmlns:r="http://schemas.openxmlformats.org/officeDocument/2006/relationships" xmlns:p="http://schemas.openxmlformats.org/presentationml/2006/main">
-  <p:cSld>
-    <p:spTree>
-      <p:nvGrpSpPr>
-        <p:cNvPr id="1" name=""/>
-        <p:cNvGrpSpPr/>
-        <p:nvPr/>
-      </p:nvGrpSpPr>
-      <p:grpSpPr>
-        <a:xfrm>
-          <a:off x="0" y="0"/>
-          <a:ext cx="0" cy="0"/>
-          <a:chOff x="0" y="0"/>
-          <a:chExt cx="0" cy="0"/>
-        </a:xfrm>
-      </p:grpSpPr>
-      <p:sp>
-        <p:nvSpPr>
-          <p:cNvPr id="2" name="Заголовок 1"/>
-          <p:cNvSpPr>
-            <a:spLocks noGrp="1"/>
-          </p:cNvSpPr>
-          <p:nvPr>
-            <p:ph type="title"/>
-          </p:nvPr>
-        </p:nvSpPr>
-        <p:spPr/>
-        <p:txBody>
-          <a:bodyPr/>
-          <a:lstStyle/>
-          <a:p>
-            <a:r>
-              <a:rPr lang="ru-RU" dirty="0" smtClean="0"/>
-              <a:t>Перегрузка операций</a:t>
-            </a:r>
-            <a:endParaRPr lang="ru-RU" dirty="0"/>
-          </a:p>
-        </p:txBody>
-      </p:sp>
-      <p:sp>
-        <p:nvSpPr>
-          <p:cNvPr id="3" name="Содержимое 2"/>
-          <p:cNvSpPr>
-            <a:spLocks noGrp="1"/>
-          </p:cNvSpPr>
-          <p:nvPr>
-            <p:ph idx="1"/>
-          </p:nvPr>
-        </p:nvSpPr>
-        <p:spPr/>
-        <p:txBody>
-          <a:bodyPr>
-            <a:normAutofit/>
-          </a:bodyPr>
-          <a:lstStyle/>
-          <a:p>
-            <a:pPr fontAlgn="base"/>
-            <a:r>
-              <a:rPr lang="ru-RU" dirty="0" smtClean="0"/>
-              <a:t>Операция приведения типа:</a:t>
-            </a:r>
-          </a:p>
-          <a:p>
-            <a:pPr fontAlgn="base"/>
-            <a:r>
-              <a:rPr lang="en-US" dirty="0" smtClean="0"/>
-              <a:t>Operator {</a:t>
-            </a:r>
-            <a:r>
-              <a:rPr lang="ru-RU" dirty="0" smtClean="0"/>
-              <a:t>Тип параметра</a:t>
-            </a:r>
-            <a:r>
-              <a:rPr lang="en-US" dirty="0" smtClean="0"/>
-              <a:t>}</a:t>
-            </a:r>
-            <a:r>
-              <a:rPr lang="ru-RU" dirty="0" smtClean="0"/>
-              <a:t> ()</a:t>
-            </a:r>
-            <a:r>
-              <a:rPr lang="en-US" dirty="0" smtClean="0"/>
-              <a:t>;</a:t>
-            </a:r>
-            <a:endParaRPr lang="ru-RU" dirty="0" smtClean="0"/>
-          </a:p>
-          <a:p>
-            <a:pPr fontAlgn="base"/>
-            <a:endParaRPr lang="ru-RU" smtClean="0"/>
-          </a:p>
-          <a:p>
-            <a:pPr fontAlgn="base"/>
-            <a:endParaRPr lang="en-US" dirty="0" smtClean="0"/>
-          </a:p>
-        </p:txBody>
-      </p:sp>
-    </p:spTree>
-  </p:cSld>
-  <p:clrMapOvr>
-    <a:masterClrMapping/>
-  </p:clrMapOvr>
-</p:sld>
-</file>
-
-<file path=ppt/slides/slide13.xml><?xml version="1.0" encoding="utf-8"?>
-<p:sld xmlns:a="http://schemas.openxmlformats.org/drawingml/2006/main" xmlns:r="http://schemas.openxmlformats.org/officeDocument/2006/relationships" xmlns:p="http://schemas.openxmlformats.org/presentationml/2006/main">
-  <p:cSld>
-    <p:spTree>
-      <p:nvGrpSpPr>
-        <p:cNvPr id="1" name=""/>
-        <p:cNvGrpSpPr/>
-        <p:nvPr/>
-      </p:nvGrpSpPr>
-      <p:grpSpPr>
-        <a:xfrm>
-          <a:off x="0" y="0"/>
-          <a:ext cx="0" cy="0"/>
-          <a:chOff x="0" y="0"/>
-          <a:chExt cx="0" cy="0"/>
-        </a:xfrm>
-      </p:grpSpPr>
-      <p:sp>
-        <p:nvSpPr>
-          <p:cNvPr id="2" name="Заголовок 1"/>
-          <p:cNvSpPr>
-            <a:spLocks noGrp="1"/>
-          </p:cNvSpPr>
-          <p:nvPr>
-            <p:ph type="title"/>
-          </p:nvPr>
-        </p:nvSpPr>
-        <p:spPr/>
-        <p:txBody>
-          <a:bodyPr/>
-          <a:lstStyle/>
-          <a:p>
-            <a:r>
-              <a:rPr lang="ru-RU" dirty="0" smtClean="0"/>
-              <a:t>Шаблоны</a:t>
-            </a:r>
-            <a:endParaRPr lang="ru-RU" dirty="0"/>
-          </a:p>
-        </p:txBody>
-      </p:sp>
-      <p:sp>
-        <p:nvSpPr>
-          <p:cNvPr id="3" name="Содержимое 2"/>
-          <p:cNvSpPr>
-            <a:spLocks noGrp="1"/>
-          </p:cNvSpPr>
-          <p:nvPr>
-            <p:ph sz="half" idx="1"/>
-          </p:nvPr>
-        </p:nvSpPr>
-        <p:spPr/>
-        <p:txBody>
-          <a:bodyPr>
-            <a:normAutofit/>
-          </a:bodyPr>
-          <a:lstStyle/>
-          <a:p>
-            <a:pPr fontAlgn="base"/>
-            <a:r>
-              <a:rPr lang="en-US" dirty="0" smtClean="0"/>
-              <a:t>Template&lt;class T&gt;</a:t>
-            </a:r>
-          </a:p>
-          <a:p>
-            <a:pPr fontAlgn="base"/>
-            <a:r>
-              <a:rPr lang="en-US" dirty="0" smtClean="0"/>
-              <a:t>Class A</a:t>
-            </a:r>
-          </a:p>
-          <a:p>
-            <a:pPr fontAlgn="base"/>
-            <a:r>
-              <a:rPr lang="en-US" dirty="0" smtClean="0"/>
-              <a:t>{</a:t>
-            </a:r>
-          </a:p>
-          <a:p>
-            <a:pPr fontAlgn="base"/>
-            <a:r>
-              <a:rPr lang="en-US" dirty="0" smtClean="0"/>
-              <a:t>  T a;</a:t>
-            </a:r>
-          </a:p>
-          <a:p>
-            <a:pPr fontAlgn="base"/>
-            <a:r>
-              <a:rPr lang="en-US" dirty="0" smtClean="0"/>
-              <a:t>  T print(T b);</a:t>
-            </a:r>
-            <a:br>
-              <a:rPr lang="en-US" dirty="0" smtClean="0"/>
-            </a:br>
-            <a:r>
-              <a:rPr lang="en-US" dirty="0" smtClean="0"/>
-              <a:t>}</a:t>
-            </a:r>
-            <a:endParaRPr lang="ru-RU" dirty="0" smtClean="0"/>
-          </a:p>
-          <a:p>
-            <a:pPr fontAlgn="base"/>
-            <a:endParaRPr lang="ru-RU" dirty="0" smtClean="0"/>
-          </a:p>
-          <a:p>
-            <a:pPr fontAlgn="base"/>
-            <a:endParaRPr lang="en-US" dirty="0" smtClean="0"/>
-          </a:p>
-        </p:txBody>
-      </p:sp>
-      <p:sp>
-        <p:nvSpPr>
-          <p:cNvPr id="4" name="Содержимое 3"/>
-          <p:cNvSpPr>
-            <a:spLocks noGrp="1"/>
-          </p:cNvSpPr>
-          <p:nvPr>
-            <p:ph sz="half" idx="2"/>
-          </p:nvPr>
-        </p:nvSpPr>
-        <p:spPr/>
-        <p:txBody>
-          <a:bodyPr/>
-          <a:lstStyle/>
-          <a:p>
-            <a:pPr fontAlgn="base"/>
-            <a:r>
-              <a:rPr lang="en-US" dirty="0" smtClean="0"/>
-              <a:t>Template&lt;</a:t>
-            </a:r>
-            <a:r>
-              <a:rPr lang="en-US" dirty="0" err="1" smtClean="0"/>
-              <a:t>typename</a:t>
-            </a:r>
-            <a:r>
-              <a:rPr lang="en-US" dirty="0" smtClean="0"/>
-              <a:t> T&gt;</a:t>
-            </a:r>
-          </a:p>
-          <a:p>
-            <a:pPr fontAlgn="base"/>
-            <a:r>
-              <a:rPr lang="en-US" dirty="0" smtClean="0"/>
-              <a:t>Class A</a:t>
-            </a:r>
-          </a:p>
-          <a:p>
-            <a:pPr fontAlgn="base"/>
-            <a:r>
-              <a:rPr lang="en-US" dirty="0" smtClean="0"/>
-              <a:t>{</a:t>
-            </a:r>
-          </a:p>
-          <a:p>
-            <a:pPr fontAlgn="base"/>
-            <a:r>
-              <a:rPr lang="en-US" dirty="0" smtClean="0"/>
-              <a:t>  T a;</a:t>
-            </a:r>
-          </a:p>
-          <a:p>
-            <a:pPr fontAlgn="base"/>
-            <a:r>
-              <a:rPr lang="en-US" dirty="0" smtClean="0"/>
-              <a:t>  T print(T b);</a:t>
-            </a:r>
-            <a:br>
-              <a:rPr lang="en-US" dirty="0" smtClean="0"/>
-            </a:br>
-            <a:r>
-              <a:rPr lang="en-US" dirty="0" smtClean="0"/>
-              <a:t>}</a:t>
-            </a:r>
-            <a:endParaRPr lang="ru-RU" dirty="0" smtClean="0"/>
-          </a:p>
-          <a:p>
-            <a:pPr fontAlgn="base"/>
-            <a:endParaRPr lang="ru-RU" dirty="0" smtClean="0"/>
-          </a:p>
-          <a:p>
-            <a:pPr fontAlgn="base"/>
-            <a:endParaRPr lang="en-US" dirty="0" smtClean="0"/>
-          </a:p>
-          <a:p>
-            <a:endParaRPr lang="ru-RU" dirty="0"/>
-          </a:p>
-        </p:txBody>
-      </p:sp>
-    </p:spTree>
-  </p:cSld>
-  <p:clrMapOvr>
-    <a:masterClrMapping/>
-  </p:clrMapOvr>
-</p:sld>
-</file>
-
-<file path=ppt/slides/slide2.xml><?xml version="1.0" encoding="utf-8"?>
-<p:sld xmlns:a="http://schemas.openxmlformats.org/drawingml/2006/main" xmlns:r="http://schemas.openxmlformats.org/officeDocument/2006/relationships" xmlns:p="http://schemas.openxmlformats.org/presentationml/2006/main">
-  <p:cSld>
-    <p:spTree>
-      <p:nvGrpSpPr>
-        <p:cNvPr id="1" name=""/>
-        <p:cNvGrpSpPr/>
-        <p:nvPr/>
-      </p:nvGrpSpPr>
-      <p:grpSpPr>
-        <a:xfrm>
-          <a:off x="0" y="0"/>
-          <a:ext cx="0" cy="0"/>
-          <a:chOff x="0" y="0"/>
-          <a:chExt cx="0" cy="0"/>
-        </a:xfrm>
-      </p:grpSpPr>
-      <p:sp>
-        <p:nvSpPr>
-          <p:cNvPr id="2" name="Заголовок 1"/>
-          <p:cNvSpPr>
-            <a:spLocks noGrp="1"/>
-          </p:cNvSpPr>
-          <p:nvPr>
-            <p:ph type="title"/>
-          </p:nvPr>
-        </p:nvSpPr>
-        <p:spPr/>
-        <p:txBody>
-          <a:bodyPr/>
-          <a:lstStyle/>
-          <a:p>
-            <a:r>
-              <a:rPr lang="ru-RU" dirty="0" smtClean="0"/>
-              <a:t>Пространство имен</a:t>
-            </a:r>
-            <a:endParaRPr lang="ru-RU" dirty="0"/>
-          </a:p>
-        </p:txBody>
-      </p:sp>
-      <p:sp>
-        <p:nvSpPr>
-          <p:cNvPr id="3" name="Содержимое 2"/>
-          <p:cNvSpPr>
-            <a:spLocks noGrp="1"/>
-          </p:cNvSpPr>
-          <p:nvPr>
-            <p:ph idx="1"/>
-          </p:nvPr>
-        </p:nvSpPr>
-        <p:spPr/>
-        <p:txBody>
-          <a:bodyPr/>
-          <a:lstStyle/>
-          <a:p>
-            <a:r>
-              <a:rPr lang="ru-RU" dirty="0" smtClean="0"/>
-              <a:t>Пространство имен — это декларативная область, в рамках которой определяются </a:t>
-            </a:r>
-            <a:r>
-              <a:rPr lang="ru-RU" dirty="0" smtClean="0"/>
-              <a:t>различные идентификаторы.</a:t>
-            </a:r>
-          </a:p>
-          <a:p>
-            <a:r>
-              <a:rPr lang="en-US" dirty="0" smtClean="0"/>
-              <a:t>namespace </a:t>
-            </a:r>
-            <a:r>
-              <a:rPr lang="en-US" dirty="0" smtClean="0"/>
-              <a:t>NAME {</a:t>
-            </a:r>
-            <a:r>
-              <a:rPr lang="ru-RU" dirty="0" smtClean="0"/>
-              <a:t>…</a:t>
-            </a:r>
-            <a:r>
-              <a:rPr lang="en-US" dirty="0" smtClean="0"/>
-              <a:t>}; – </a:t>
-            </a:r>
-            <a:r>
-              <a:rPr lang="ru-RU" dirty="0" smtClean="0"/>
-              <a:t>объявление</a:t>
-            </a:r>
-            <a:endParaRPr lang="en-US" dirty="0" smtClean="0"/>
-          </a:p>
-          <a:p>
-            <a:r>
-              <a:rPr lang="en-US" dirty="0" smtClean="0"/>
-              <a:t>using </a:t>
-            </a:r>
-            <a:r>
-              <a:rPr lang="en-US" dirty="0" smtClean="0"/>
-              <a:t>NAME::Object;</a:t>
-            </a:r>
-            <a:r>
-              <a:rPr lang="ru-RU" dirty="0" smtClean="0"/>
-              <a:t> </a:t>
-            </a:r>
-            <a:r>
-              <a:rPr lang="en-US" dirty="0" smtClean="0"/>
-              <a:t>–</a:t>
-            </a:r>
-            <a:r>
-              <a:rPr lang="ru-RU" dirty="0" smtClean="0"/>
-              <a:t> доступ к 1 идентификатору.</a:t>
-            </a:r>
-          </a:p>
-          <a:p>
-            <a:r>
-              <a:rPr lang="en-US" dirty="0" smtClean="0"/>
-              <a:t>using namespace NAME</a:t>
-            </a:r>
-            <a:r>
-              <a:rPr lang="en-US" dirty="0" smtClean="0"/>
-              <a:t>;</a:t>
-            </a:r>
-            <a:r>
-              <a:rPr lang="ru-RU" dirty="0" smtClean="0"/>
-              <a:t> </a:t>
-            </a:r>
-            <a:r>
-              <a:rPr lang="en-US" dirty="0" smtClean="0"/>
-              <a:t>–</a:t>
-            </a:r>
-            <a:r>
-              <a:rPr lang="ru-RU" dirty="0" smtClean="0"/>
-              <a:t> </a:t>
-            </a:r>
-            <a:r>
-              <a:rPr lang="ru-RU" dirty="0" smtClean="0"/>
-              <a:t>подключение пространства имен.</a:t>
-            </a:r>
-            <a:endParaRPr lang="ru-RU" dirty="0"/>
-          </a:p>
-        </p:txBody>
-      </p:sp>
-    </p:spTree>
-  </p:cSld>
-  <p:clrMapOvr>
-    <a:masterClrMapping/>
-  </p:clrMapOvr>
-</p:sld>
-</file>
-
-<file path=ppt/slides/slide3.xml><?xml version="1.0" encoding="utf-8"?>
-<p:sld xmlns:a="http://schemas.openxmlformats.org/drawingml/2006/main" xmlns:r="http://schemas.openxmlformats.org/officeDocument/2006/relationships" xmlns:p="http://schemas.openxmlformats.org/presentationml/2006/main">
-  <p:cSld>
-    <p:spTree>
-      <p:nvGrpSpPr>
-        <p:cNvPr id="1" name=""/>
-        <p:cNvGrpSpPr/>
-        <p:nvPr/>
-      </p:nvGrpSpPr>
-      <p:grpSpPr>
-        <a:xfrm>
-          <a:off x="0" y="0"/>
-          <a:ext cx="0" cy="0"/>
-          <a:chOff x="0" y="0"/>
-          <a:chExt cx="0" cy="0"/>
-        </a:xfrm>
-      </p:grpSpPr>
-      <p:sp>
-        <p:nvSpPr>
-          <p:cNvPr id="2" name="Заголовок 1"/>
-          <p:cNvSpPr>
-            <a:spLocks noGrp="1"/>
-          </p:cNvSpPr>
-          <p:nvPr>
-            <p:ph type="title"/>
-          </p:nvPr>
-        </p:nvSpPr>
-        <p:spPr/>
-        <p:txBody>
-          <a:bodyPr/>
-          <a:lstStyle/>
-          <a:p>
-            <a:r>
-              <a:rPr lang="ru-RU" dirty="0" smtClean="0"/>
-              <a:t>Принципы ООП</a:t>
-            </a:r>
-            <a:endParaRPr lang="ru-RU" dirty="0"/>
-          </a:p>
-        </p:txBody>
-      </p:sp>
-      <p:sp>
-        <p:nvSpPr>
-          <p:cNvPr id="3" name="Содержимое 2"/>
-          <p:cNvSpPr>
-            <a:spLocks noGrp="1"/>
-          </p:cNvSpPr>
-          <p:nvPr>
-            <p:ph idx="1"/>
-          </p:nvPr>
-        </p:nvSpPr>
-        <p:spPr/>
-        <p:txBody>
-          <a:bodyPr>
-            <a:noAutofit/>
-          </a:bodyPr>
-          <a:lstStyle/>
-          <a:p>
-            <a:r>
-              <a:rPr lang="ru-RU" sz="2100" dirty="0" smtClean="0"/>
-              <a:t>абстракция для выделения в моделируемом предмете важного для решения конкретной задачи по предмету, в конечном счёте — контекстное понимание предмета, формализуемое в виде класса;</a:t>
-            </a:r>
-          </a:p>
-          <a:p>
-            <a:r>
-              <a:rPr lang="ru-RU" sz="2100" dirty="0" smtClean="0"/>
-              <a:t>инкапсуляция для быстрой и безопасной организации собственно иерархической управляемости: чтобы было достаточно простой команды «что делать», без одновременного уточнения как именно делать, так как это уже другой уровень управления;</a:t>
-            </a:r>
-          </a:p>
-          <a:p>
-            <a:r>
-              <a:rPr lang="ru-RU" sz="2100" dirty="0" smtClean="0"/>
-              <a:t>наследование для быстрой и безопасной организации родственных понятий: чтобы было достаточно на каждом иерархическом шаге учитывать только изменения, не дублируя всё остальное, учтённое на предыдущих шагах;</a:t>
-            </a:r>
-          </a:p>
-          <a:p>
-            <a:r>
-              <a:rPr lang="ru-RU" sz="2100" dirty="0" smtClean="0"/>
-              <a:t>полиморфизм для определения точки, в которой единое управление лучше распараллелить или наоборот — собрать воедино.</a:t>
-            </a:r>
-            <a:endParaRPr lang="ru-RU" sz="2100" dirty="0"/>
-          </a:p>
-        </p:txBody>
-      </p:sp>
-    </p:spTree>
-  </p:cSld>
-  <p:clrMapOvr>
-    <a:masterClrMapping/>
-  </p:clrMapOvr>
-  <p:timing>
-    <p:tnLst>
-      <p:par>
-        <p:cTn id="1" dur="indefinite" restart="never" nodeType="tmRoot"/>
-      </p:par>
-    </p:tnLst>
-  </p:timing>
-</p:sld>
-</file>
-
-<file path=ppt/slides/slide4.xml><?xml version="1.0" encoding="utf-8"?>
-<p:sld xmlns:a="http://schemas.openxmlformats.org/drawingml/2006/main" xmlns:r="http://schemas.openxmlformats.org/officeDocument/2006/relationships" xmlns:p="http://schemas.openxmlformats.org/presentationml/2006/main">
-  <p:cSld>
-    <p:spTree>
-      <p:nvGrpSpPr>
-        <p:cNvPr id="1" name=""/>
-        <p:cNvGrpSpPr/>
-        <p:nvPr/>
-      </p:nvGrpSpPr>
-      <p:grpSpPr>
-        <a:xfrm>
-          <a:off x="0" y="0"/>
-          <a:ext cx="0" cy="0"/>
-          <a:chOff x="0" y="0"/>
-          <a:chExt cx="0" cy="0"/>
-        </a:xfrm>
-      </p:grpSpPr>
-      <p:sp>
-        <p:nvSpPr>
-          <p:cNvPr id="2" name="Заголовок 1"/>
-          <p:cNvSpPr>
-            <a:spLocks noGrp="1"/>
-          </p:cNvSpPr>
-          <p:nvPr>
-            <p:ph type="title"/>
-          </p:nvPr>
-        </p:nvSpPr>
-        <p:spPr/>
-        <p:txBody>
-          <a:bodyPr/>
-          <a:lstStyle/>
-          <a:p>
-            <a:r>
-              <a:rPr lang="ru-RU" dirty="0" smtClean="0"/>
-              <a:t>Объявление</a:t>
-            </a:r>
-            <a:endParaRPr lang="ru-RU" dirty="0"/>
-          </a:p>
-        </p:txBody>
-      </p:sp>
-      <p:sp>
-        <p:nvSpPr>
-          <p:cNvPr id="3" name="Содержимое 2"/>
-          <p:cNvSpPr>
-            <a:spLocks noGrp="1"/>
-          </p:cNvSpPr>
-          <p:nvPr>
-            <p:ph idx="1"/>
-          </p:nvPr>
-        </p:nvSpPr>
-        <p:spPr/>
-        <p:txBody>
-          <a:bodyPr>
-            <a:normAutofit fontScale="77500" lnSpcReduction="20000"/>
-          </a:bodyPr>
-          <a:lstStyle/>
-          <a:p>
-            <a:pPr fontAlgn="base"/>
-            <a:r>
-              <a:rPr lang="ru-RU" dirty="0"/>
-              <a:t>// объявление классов в С++</a:t>
-            </a:r>
-          </a:p>
-          <a:p>
-            <a:pPr fontAlgn="base"/>
-            <a:r>
-              <a:rPr lang="ru-RU" dirty="0" err="1"/>
-              <a:t>class</a:t>
-            </a:r>
-            <a:r>
-              <a:rPr lang="ru-RU" dirty="0"/>
-              <a:t> /*имя класса*/</a:t>
-            </a:r>
-          </a:p>
-          <a:p>
-            <a:pPr fontAlgn="base"/>
-            <a:r>
-              <a:rPr lang="ru-RU" dirty="0"/>
-              <a:t>{</a:t>
-            </a:r>
-          </a:p>
-          <a:p>
-            <a:pPr fontAlgn="base"/>
-            <a:r>
-              <a:rPr lang="ru-RU" dirty="0"/>
-              <a:t>  </a:t>
-            </a:r>
-            <a:r>
-              <a:rPr lang="ru-RU" dirty="0" err="1"/>
-              <a:t>private</a:t>
-            </a:r>
-            <a:r>
-              <a:rPr lang="ru-RU" dirty="0"/>
-              <a:t>:</a:t>
-            </a:r>
-          </a:p>
-          <a:p>
-            <a:pPr fontAlgn="base"/>
-            <a:r>
-              <a:rPr lang="ru-RU" dirty="0"/>
-              <a:t>  /* список свойств и методов для использования внутри класса */</a:t>
-            </a:r>
-          </a:p>
-          <a:p>
-            <a:pPr fontAlgn="base"/>
-            <a:r>
-              <a:rPr lang="ru-RU" dirty="0"/>
-              <a:t>  </a:t>
-            </a:r>
-            <a:r>
-              <a:rPr lang="ru-RU" dirty="0" err="1"/>
-              <a:t>public</a:t>
-            </a:r>
-            <a:r>
-              <a:rPr lang="ru-RU" dirty="0"/>
-              <a:t>:</a:t>
-            </a:r>
-          </a:p>
-          <a:p>
-            <a:pPr fontAlgn="base"/>
-            <a:r>
-              <a:rPr lang="ru-RU" dirty="0"/>
-              <a:t>  /* список методов доступных другим функциям и объектам программы */</a:t>
-            </a:r>
-          </a:p>
-          <a:p>
-            <a:pPr fontAlgn="base"/>
-            <a:r>
-              <a:rPr lang="ru-RU" dirty="0"/>
-              <a:t>  </a:t>
-            </a:r>
-            <a:r>
-              <a:rPr lang="ru-RU" dirty="0" err="1"/>
-              <a:t>protected</a:t>
-            </a:r>
-            <a:r>
-              <a:rPr lang="ru-RU" dirty="0"/>
-              <a:t>:</a:t>
-            </a:r>
-          </a:p>
-          <a:p>
-            <a:pPr fontAlgn="base"/>
-            <a:r>
-              <a:rPr lang="ru-RU" dirty="0"/>
-              <a:t>  /*список средств, доступных при наследовании*/</a:t>
-            </a:r>
-          </a:p>
-          <a:p>
-            <a:pPr fontAlgn="base"/>
-            <a:r>
-              <a:rPr lang="ru-RU" dirty="0"/>
-              <a:t>};</a:t>
-            </a:r>
-          </a:p>
-          <a:p>
-            <a:endParaRPr lang="ru-RU" dirty="0"/>
-          </a:p>
-        </p:txBody>
-      </p:sp>
-    </p:spTree>
-  </p:cSld>
-  <p:clrMapOvr>
-    <a:masterClrMapping/>
-  </p:clrMapOvr>
-</p:sld>
-</file>
-
-<file path=ppt/slides/slide5.xml><?xml version="1.0" encoding="utf-8"?>
-<p:sld xmlns:a="http://schemas.openxmlformats.org/drawingml/2006/main" xmlns:r="http://schemas.openxmlformats.org/officeDocument/2006/relationships" xmlns:p="http://schemas.openxmlformats.org/presentationml/2006/main">
-  <p:cSld>
-    <p:spTree>
-      <p:nvGrpSpPr>
-        <p:cNvPr id="1" name=""/>
-        <p:cNvGrpSpPr/>
-        <p:nvPr/>
-      </p:nvGrpSpPr>
-      <p:grpSpPr>
-        <a:xfrm>
-          <a:off x="0" y="0"/>
-          <a:ext cx="0" cy="0"/>
-          <a:chOff x="0" y="0"/>
-          <a:chExt cx="0" cy="0"/>
-        </a:xfrm>
-      </p:grpSpPr>
-      <p:sp>
-        <p:nvSpPr>
-          <p:cNvPr id="2" name="Заголовок 1"/>
-          <p:cNvSpPr>
-            <a:spLocks noGrp="1"/>
-          </p:cNvSpPr>
-          <p:nvPr>
-            <p:ph type="title"/>
-          </p:nvPr>
-        </p:nvSpPr>
-        <p:spPr/>
-        <p:txBody>
-          <a:bodyPr/>
-          <a:lstStyle/>
-          <a:p>
-            <a:r>
-              <a:rPr lang="ru-RU" dirty="0" smtClean="0"/>
-              <a:t>Конструктор, Деструктор</a:t>
-            </a:r>
-            <a:endParaRPr lang="ru-RU" dirty="0"/>
-          </a:p>
-        </p:txBody>
-      </p:sp>
-      <p:sp>
-        <p:nvSpPr>
-          <p:cNvPr id="3" name="Содержимое 2"/>
-          <p:cNvSpPr>
-            <a:spLocks noGrp="1"/>
-          </p:cNvSpPr>
-          <p:nvPr>
-            <p:ph idx="1"/>
-          </p:nvPr>
-        </p:nvSpPr>
-        <p:spPr/>
-        <p:txBody>
-          <a:bodyPr>
-            <a:normAutofit fontScale="85000" lnSpcReduction="20000"/>
-          </a:bodyPr>
-          <a:lstStyle/>
-          <a:p>
-            <a:r>
-              <a:rPr lang="ru-RU" smtClean="0"/>
-              <a:t>Конструктор — это особая функция-член, инициализирующая экземпляр своего класса. Конструкторы имеют имена, совпадающие с именами классов, и не имеют возвращаемых значений. </a:t>
-            </a:r>
-          </a:p>
-          <a:p>
-            <a:r>
-              <a:rPr lang="ru-RU" smtClean="0"/>
-              <a:t>Функции-деструкторы представляют собой противоположность конструкторам. Они вызываются при уничтожении (отмене выделения памяти) объектов. Для того чтобы указать функцию как деструктор класса, необходимо указать перед именем класса знак тильды (</a:t>
-            </a:r>
-            <a:r>
-              <a:rPr lang="ru-RU" b="1" smtClean="0"/>
-              <a:t>~</a:t>
-            </a:r>
-            <a:r>
-              <a:rPr lang="ru-RU" smtClean="0"/>
-              <a:t>). Например, деструктор для класса String объявляется следующим образом: ~String()</a:t>
-            </a:r>
-            <a:endParaRPr lang="ru-RU" dirty="0"/>
-          </a:p>
-        </p:txBody>
-      </p:sp>
-    </p:spTree>
-  </p:cSld>
-  <p:clrMapOvr>
-    <a:masterClrMapping/>
-  </p:clrMapOvr>
-</p:sld>
-</file>
-
-<file path=ppt/slides/slide6.xml><?xml version="1.0" encoding="utf-8"?>
-<p:sld xmlns:a="http://schemas.openxmlformats.org/drawingml/2006/main" xmlns:r="http://schemas.openxmlformats.org/officeDocument/2006/relationships" xmlns:p="http://schemas.openxmlformats.org/presentationml/2006/main">
-  <p:cSld>
-    <p:spTree>
-      <p:nvGrpSpPr>
-        <p:cNvPr id="1" name=""/>
-        <p:cNvGrpSpPr/>
-        <p:nvPr/>
-      </p:nvGrpSpPr>
-      <p:grpSpPr>
-        <a:xfrm>
-          <a:off x="0" y="0"/>
-          <a:ext cx="0" cy="0"/>
-          <a:chOff x="0" y="0"/>
-          <a:chExt cx="0" cy="0"/>
-        </a:xfrm>
-      </p:grpSpPr>
-      <p:sp>
-        <p:nvSpPr>
-          <p:cNvPr id="2" name="Заголовок 1"/>
-          <p:cNvSpPr>
-            <a:spLocks noGrp="1"/>
-          </p:cNvSpPr>
-          <p:nvPr>
-            <p:ph type="title"/>
-          </p:nvPr>
-        </p:nvSpPr>
-        <p:spPr/>
-        <p:txBody>
-          <a:bodyPr/>
-          <a:lstStyle/>
-          <a:p>
-            <a:r>
-              <a:rPr lang="ru-RU" dirty="0" smtClean="0"/>
-              <a:t>Конструкторы</a:t>
-            </a:r>
-            <a:endParaRPr lang="ru-RU" dirty="0"/>
-          </a:p>
-        </p:txBody>
-      </p:sp>
-      <p:sp>
-        <p:nvSpPr>
-          <p:cNvPr id="3" name="Содержимое 2"/>
-          <p:cNvSpPr>
-            <a:spLocks noGrp="1"/>
-          </p:cNvSpPr>
-          <p:nvPr>
-            <p:ph idx="1"/>
-          </p:nvPr>
-        </p:nvSpPr>
-        <p:spPr>
-          <a:xfrm>
-            <a:off x="457200" y="1600200"/>
-            <a:ext cx="8229600" cy="5043510"/>
-          </a:xfrm>
-        </p:spPr>
-        <p:txBody>
-          <a:bodyPr>
-            <a:normAutofit lnSpcReduction="10000"/>
-          </a:bodyPr>
-          <a:lstStyle/>
-          <a:p>
-            <a:pPr fontAlgn="base"/>
-            <a:r>
-              <a:rPr lang="ru-RU" dirty="0" err="1" smtClean="0"/>
-              <a:t>class</a:t>
-            </a:r>
-            <a:r>
-              <a:rPr lang="ru-RU" dirty="0" smtClean="0"/>
-              <a:t> </a:t>
-            </a:r>
-            <a:r>
-              <a:rPr lang="en-US" dirty="0" err="1" smtClean="0"/>
-              <a:t>ClassName</a:t>
-            </a:r>
-            <a:endParaRPr lang="ru-RU" dirty="0" smtClean="0"/>
-          </a:p>
-          <a:p>
-            <a:pPr fontAlgn="base"/>
-            <a:r>
-              <a:rPr lang="ru-RU" dirty="0" smtClean="0"/>
-              <a:t>{</a:t>
-            </a:r>
-            <a:endParaRPr lang="en-US" dirty="0" smtClean="0"/>
-          </a:p>
-          <a:p>
-            <a:pPr fontAlgn="base"/>
-            <a:r>
-              <a:rPr lang="en-US" dirty="0" smtClean="0"/>
-              <a:t>public:</a:t>
-            </a:r>
-          </a:p>
-          <a:p>
-            <a:pPr fontAlgn="base"/>
-            <a:r>
-              <a:rPr lang="en-US" dirty="0" err="1" smtClean="0"/>
-              <a:t>ClassName</a:t>
-            </a:r>
-            <a:r>
-              <a:rPr lang="en-US" dirty="0" smtClean="0"/>
-              <a:t>(); // </a:t>
-            </a:r>
-            <a:r>
-              <a:rPr lang="ru-RU" dirty="0" smtClean="0"/>
-              <a:t>Конструктор по умолчанию</a:t>
-            </a:r>
-          </a:p>
-          <a:p>
-            <a:pPr fontAlgn="base"/>
-            <a:r>
-              <a:rPr lang="en-US" dirty="0" err="1" smtClean="0"/>
-              <a:t>ClassName</a:t>
-            </a:r>
-            <a:r>
-              <a:rPr lang="en-US" dirty="0" smtClean="0"/>
-              <a:t>(</a:t>
-            </a:r>
-            <a:r>
-              <a:rPr lang="en-US" dirty="0" err="1" smtClean="0"/>
-              <a:t>ClassName</a:t>
-            </a:r>
-            <a:r>
-              <a:rPr lang="en-US" dirty="0" smtClean="0"/>
-              <a:t>&amp; data); //</a:t>
-            </a:r>
-            <a:r>
-              <a:rPr lang="ru-RU" dirty="0" smtClean="0"/>
-              <a:t> конструктор копирования</a:t>
-            </a:r>
-          </a:p>
-          <a:p>
-            <a:pPr fontAlgn="base"/>
-            <a:r>
-              <a:rPr lang="en-US" dirty="0" err="1" smtClean="0"/>
-              <a:t>ClassName</a:t>
-            </a:r>
-            <a:r>
-              <a:rPr lang="en-US" dirty="0" smtClean="0"/>
-              <a:t>(</a:t>
-            </a:r>
-            <a:r>
-              <a:rPr lang="en-US" dirty="0" err="1" smtClean="0"/>
-              <a:t>int</a:t>
-            </a:r>
-            <a:r>
-              <a:rPr lang="en-US" dirty="0" smtClean="0"/>
-              <a:t> a, </a:t>
-            </a:r>
-            <a:r>
-              <a:rPr lang="en-US" dirty="0" err="1" smtClean="0"/>
-              <a:t>int</a:t>
-            </a:r>
-            <a:r>
-              <a:rPr lang="en-US" dirty="0" smtClean="0"/>
-              <a:t> b); // </a:t>
-            </a:r>
-            <a:r>
-              <a:rPr lang="ru-RU" dirty="0" smtClean="0"/>
-              <a:t>конструктор от двух параметров</a:t>
-            </a:r>
-          </a:p>
-          <a:p>
-            <a:r>
-              <a:rPr lang="ru-RU" dirty="0" smtClean="0"/>
-              <a:t>…..</a:t>
-            </a:r>
-            <a:endParaRPr lang="ru-RU" dirty="0"/>
-          </a:p>
-        </p:txBody>
-      </p:sp>
-    </p:spTree>
-  </p:cSld>
-  <p:clrMapOvr>
-    <a:masterClrMapping/>
-  </p:clrMapOvr>
-</p:sld>
-</file>
-
-<file path=ppt/slides/slide7.xml><?xml version="1.0" encoding="utf-8"?>
-<p:sld xmlns:a="http://schemas.openxmlformats.org/drawingml/2006/main" xmlns:r="http://schemas.openxmlformats.org/officeDocument/2006/relationships" xmlns:p="http://schemas.openxmlformats.org/presentationml/2006/main">
-  <p:cSld>
-    <p:spTree>
-      <p:nvGrpSpPr>
-        <p:cNvPr id="1" name=""/>
-        <p:cNvGrpSpPr/>
-        <p:nvPr/>
-      </p:nvGrpSpPr>
-      <p:grpSpPr>
-        <a:xfrm>
-          <a:off x="0" y="0"/>
-          <a:ext cx="0" cy="0"/>
-          <a:chOff x="0" y="0"/>
-          <a:chExt cx="0" cy="0"/>
-        </a:xfrm>
-      </p:grpSpPr>
-      <p:sp>
-        <p:nvSpPr>
-          <p:cNvPr id="2" name="Заголовок 1"/>
-          <p:cNvSpPr>
-            <a:spLocks noGrp="1"/>
-          </p:cNvSpPr>
-          <p:nvPr>
-            <p:ph type="title"/>
-          </p:nvPr>
-        </p:nvSpPr>
-        <p:spPr/>
-        <p:txBody>
-          <a:bodyPr/>
-          <a:lstStyle/>
-          <a:p>
-            <a:r>
-              <a:rPr lang="ru-RU" dirty="0" smtClean="0"/>
-              <a:t> Деструктор</a:t>
-            </a:r>
-            <a:endParaRPr lang="ru-RU" dirty="0"/>
-          </a:p>
-        </p:txBody>
-      </p:sp>
-      <p:sp>
-        <p:nvSpPr>
-          <p:cNvPr id="3" name="Содержимое 2"/>
-          <p:cNvSpPr>
-            <a:spLocks noGrp="1"/>
-          </p:cNvSpPr>
-          <p:nvPr>
-            <p:ph idx="1"/>
-          </p:nvPr>
-        </p:nvSpPr>
-        <p:spPr/>
-        <p:txBody>
-          <a:bodyPr/>
-          <a:lstStyle/>
-          <a:p>
-            <a:pPr fontAlgn="base"/>
-            <a:r>
-              <a:rPr lang="ru-RU" dirty="0" err="1" smtClean="0"/>
-              <a:t>class</a:t>
-            </a:r>
-            <a:r>
-              <a:rPr lang="ru-RU" dirty="0" smtClean="0"/>
-              <a:t> </a:t>
-            </a:r>
-            <a:r>
-              <a:rPr lang="en-US" dirty="0" err="1" smtClean="0"/>
-              <a:t>ClassName</a:t>
-            </a:r>
-            <a:endParaRPr lang="ru-RU" dirty="0" smtClean="0"/>
-          </a:p>
-          <a:p>
-            <a:pPr fontAlgn="base"/>
-            <a:r>
-              <a:rPr lang="ru-RU" dirty="0" smtClean="0"/>
-              <a:t>{</a:t>
-            </a:r>
-            <a:endParaRPr lang="en-US" dirty="0" smtClean="0"/>
-          </a:p>
-          <a:p>
-            <a:r>
-              <a:rPr lang="en-US" dirty="0" smtClean="0"/>
-              <a:t>~</a:t>
-            </a:r>
-            <a:r>
-              <a:rPr lang="en-US" dirty="0" err="1" smtClean="0"/>
-              <a:t>ClassName</a:t>
-            </a:r>
-            <a:r>
-              <a:rPr lang="en-US" dirty="0" smtClean="0"/>
-              <a:t>(); // </a:t>
-            </a:r>
-            <a:r>
-              <a:rPr lang="ru-RU" dirty="0" smtClean="0"/>
-              <a:t>деструктор</a:t>
-            </a:r>
-          </a:p>
-          <a:p>
-            <a:r>
-              <a:rPr lang="ru-RU" dirty="0" smtClean="0"/>
-              <a:t>…</a:t>
-            </a:r>
-            <a:endParaRPr lang="ru-RU" dirty="0"/>
-          </a:p>
-        </p:txBody>
-      </p:sp>
-    </p:spTree>
-  </p:cSld>
-  <p:clrMapOvr>
-    <a:masterClrMapping/>
-  </p:clrMapOvr>
-</p:sld>
-</file>
-
-<file path=ppt/slides/slide8.xml><?xml version="1.0" encoding="utf-8"?>
-<p:sld xmlns:a="http://schemas.openxmlformats.org/drawingml/2006/main" xmlns:r="http://schemas.openxmlformats.org/officeDocument/2006/relationships" xmlns:p="http://schemas.openxmlformats.org/presentationml/2006/main">
-  <p:cSld>
-    <p:spTree>
-      <p:nvGrpSpPr>
-        <p:cNvPr id="1" name=""/>
-        <p:cNvGrpSpPr/>
-        <p:nvPr/>
-      </p:nvGrpSpPr>
-      <p:grpSpPr>
-        <a:xfrm>
-          <a:off x="0" y="0"/>
-          <a:ext cx="0" cy="0"/>
-          <a:chOff x="0" y="0"/>
-          <a:chExt cx="0" cy="0"/>
-        </a:xfrm>
-      </p:grpSpPr>
-      <p:sp>
-        <p:nvSpPr>
-          <p:cNvPr id="2" name="Заголовок 1"/>
-          <p:cNvSpPr>
-            <a:spLocks noGrp="1"/>
-          </p:cNvSpPr>
-          <p:nvPr>
-            <p:ph type="title"/>
-          </p:nvPr>
-        </p:nvSpPr>
-        <p:spPr/>
-        <p:txBody>
-          <a:bodyPr/>
-          <a:lstStyle/>
-          <a:p>
-            <a:r>
-              <a:rPr lang="ru-RU" dirty="0" smtClean="0"/>
-              <a:t>Наследование</a:t>
-            </a:r>
-            <a:endParaRPr lang="ru-RU" dirty="0"/>
-          </a:p>
-        </p:txBody>
-      </p:sp>
-      <p:sp>
-        <p:nvSpPr>
-          <p:cNvPr id="3" name="Содержимое 2"/>
-          <p:cNvSpPr>
-            <a:spLocks noGrp="1"/>
-          </p:cNvSpPr>
-          <p:nvPr>
-            <p:ph idx="1"/>
-          </p:nvPr>
-        </p:nvSpPr>
-        <p:spPr>
-          <a:xfrm>
-            <a:off x="457200" y="1600200"/>
-            <a:ext cx="8229600" cy="4900634"/>
-          </a:xfrm>
-        </p:spPr>
-        <p:txBody>
-          <a:bodyPr>
-            <a:normAutofit lnSpcReduction="10000"/>
-          </a:bodyPr>
-          <a:lstStyle/>
-          <a:p>
-            <a:pPr fontAlgn="base"/>
-            <a:r>
-              <a:rPr lang="ru-RU" dirty="0" err="1" smtClean="0"/>
-              <a:t>class</a:t>
-            </a:r>
-            <a:r>
-              <a:rPr lang="ru-RU" dirty="0" smtClean="0"/>
-              <a:t> /*Базовый класс 1*/</a:t>
-            </a:r>
-          </a:p>
-          <a:p>
-            <a:pPr fontAlgn="base"/>
-            <a:r>
-              <a:rPr lang="ru-RU" dirty="0" smtClean="0"/>
-              <a:t>{ … };</a:t>
-            </a:r>
-            <a:endParaRPr lang="en-US" dirty="0" smtClean="0"/>
-          </a:p>
-          <a:p>
-            <a:pPr fontAlgn="base"/>
-            <a:r>
-              <a:rPr lang="en-US" dirty="0" smtClean="0"/>
-              <a:t>…</a:t>
-            </a:r>
-            <a:endParaRPr lang="ru-RU" dirty="0" smtClean="0"/>
-          </a:p>
-          <a:p>
-            <a:pPr fontAlgn="base"/>
-            <a:r>
-              <a:rPr lang="ru-RU" dirty="0" err="1" smtClean="0"/>
-              <a:t>class</a:t>
-            </a:r>
-            <a:r>
-              <a:rPr lang="ru-RU" dirty="0" smtClean="0"/>
-              <a:t> /*Базовый класс </a:t>
-            </a:r>
-            <a:r>
-              <a:rPr lang="en-US" dirty="0" smtClean="0"/>
-              <a:t>N</a:t>
-            </a:r>
-            <a:r>
-              <a:rPr lang="ru-RU" dirty="0" smtClean="0"/>
-              <a:t>*/</a:t>
-            </a:r>
-          </a:p>
-          <a:p>
-            <a:pPr fontAlgn="base"/>
-            <a:r>
-              <a:rPr lang="ru-RU" dirty="0" smtClean="0"/>
-              <a:t>{ … };</a:t>
-            </a:r>
-          </a:p>
-          <a:p>
-            <a:pPr fontAlgn="base"/>
-            <a:r>
-              <a:rPr lang="ru-RU" dirty="0" err="1" smtClean="0"/>
-              <a:t>class</a:t>
-            </a:r>
-            <a:r>
-              <a:rPr lang="ru-RU" dirty="0" smtClean="0"/>
-              <a:t> /*Наследник*/ : </a:t>
-            </a:r>
-            <a:r>
-              <a:rPr lang="ru-RU" dirty="0" err="1" smtClean="0"/>
-              <a:t>private</a:t>
-            </a:r>
-            <a:r>
-              <a:rPr lang="ru-RU" dirty="0" smtClean="0"/>
-              <a:t> </a:t>
-            </a:r>
-            <a:r>
-              <a:rPr lang="en-US" dirty="0" smtClean="0"/>
-              <a:t>|</a:t>
-            </a:r>
-            <a:r>
-              <a:rPr lang="ru-RU" dirty="0" smtClean="0"/>
-              <a:t> </a:t>
-            </a:r>
-            <a:r>
-              <a:rPr lang="ru-RU" dirty="0" err="1" smtClean="0"/>
-              <a:t>protected</a:t>
-            </a:r>
-            <a:r>
-              <a:rPr lang="en-US" dirty="0" smtClean="0"/>
-              <a:t> | </a:t>
-            </a:r>
-            <a:r>
-              <a:rPr lang="ru-RU" dirty="0" err="1" smtClean="0"/>
-              <a:t>public</a:t>
-            </a:r>
-            <a:r>
-              <a:rPr lang="en-US" dirty="0" smtClean="0"/>
-              <a:t> </a:t>
-            </a:r>
-            <a:r>
-              <a:rPr lang="ru-RU" dirty="0" smtClean="0"/>
-              <a:t>Базовый класс 1</a:t>
-            </a:r>
-            <a:r>
-              <a:rPr lang="en-US" dirty="0" smtClean="0"/>
-              <a:t>, …, </a:t>
-            </a:r>
-            <a:r>
-              <a:rPr lang="ru-RU" dirty="0" err="1" smtClean="0"/>
-              <a:t>private</a:t>
-            </a:r>
-            <a:r>
-              <a:rPr lang="ru-RU" dirty="0" smtClean="0"/>
-              <a:t> </a:t>
-            </a:r>
-            <a:r>
-              <a:rPr lang="en-US" dirty="0" smtClean="0"/>
-              <a:t>|</a:t>
-            </a:r>
-            <a:r>
-              <a:rPr lang="ru-RU" dirty="0" smtClean="0"/>
-              <a:t> </a:t>
-            </a:r>
-            <a:r>
-              <a:rPr lang="ru-RU" dirty="0" err="1" smtClean="0"/>
-              <a:t>protected</a:t>
-            </a:r>
-            <a:r>
-              <a:rPr lang="en-US" dirty="0" smtClean="0"/>
-              <a:t> | </a:t>
-            </a:r>
-            <a:r>
-              <a:rPr lang="ru-RU" dirty="0" err="1" smtClean="0"/>
-              <a:t>public</a:t>
-            </a:r>
-            <a:r>
-              <a:rPr lang="en-US" dirty="0" smtClean="0"/>
-              <a:t> </a:t>
-            </a:r>
-            <a:r>
-              <a:rPr lang="ru-RU" dirty="0" smtClean="0"/>
-              <a:t>Базовый класс </a:t>
-            </a:r>
-            <a:r>
-              <a:rPr lang="en-US" dirty="0" smtClean="0"/>
-              <a:t>N</a:t>
-            </a:r>
-            <a:endParaRPr lang="ru-RU" dirty="0" smtClean="0"/>
-          </a:p>
-          <a:p>
-            <a:pPr fontAlgn="base"/>
-            <a:r>
-              <a:rPr lang="ru-RU" dirty="0" smtClean="0"/>
-              <a:t>{ … };</a:t>
-            </a:r>
-          </a:p>
-          <a:p>
-            <a:pPr fontAlgn="base"/>
-            <a:endParaRPr lang="ru-RU" dirty="0"/>
-          </a:p>
-        </p:txBody>
-      </p:sp>
-    </p:spTree>
-  </p:cSld>
-  <p:clrMapOvr>
-    <a:masterClrMapping/>
-  </p:clrMapOvr>
-</p:sld>
-</file>
-
-<file path=ppt/slides/slide9.xml><?xml version="1.0" encoding="utf-8"?>
 <p:sld xmlns:a="http://schemas.openxmlformats.org/drawingml/2006/main" xmlns:r="http://schemas.openxmlformats.org/officeDocument/2006/relationships" xmlns:p="http://schemas.openxmlformats.org/presentationml/2006/main">
   <p:cSld>
     <p:spTree>
@@ -6707,6 +5309,2765 @@
             <a:r>
               <a:rPr lang="ru-RU" dirty="0" smtClean="0"/>
               <a:t>Доступ в производном классе  (наследнике)</a:t>
+            </a:r>
+            <a:endParaRPr lang="ru-RU" dirty="0"/>
+          </a:p>
+        </p:txBody>
+      </p:sp>
+    </p:spTree>
+  </p:cSld>
+  <p:clrMapOvr>
+    <a:masterClrMapping/>
+  </p:clrMapOvr>
+</p:sld>
+</file>
+
+<file path=ppt/slides/slide12.xml><?xml version="1.0" encoding="utf-8"?>
+<p:sld xmlns:a="http://schemas.openxmlformats.org/drawingml/2006/main" xmlns:r="http://schemas.openxmlformats.org/officeDocument/2006/relationships" xmlns:p="http://schemas.openxmlformats.org/presentationml/2006/main">
+  <p:cSld>
+    <p:spTree>
+      <p:nvGrpSpPr>
+        <p:cNvPr id="1" name=""/>
+        <p:cNvGrpSpPr/>
+        <p:nvPr/>
+      </p:nvGrpSpPr>
+      <p:grpSpPr>
+        <a:xfrm>
+          <a:off x="0" y="0"/>
+          <a:ext cx="0" cy="0"/>
+          <a:chOff x="0" y="0"/>
+          <a:chExt cx="0" cy="0"/>
+        </a:xfrm>
+      </p:grpSpPr>
+      <p:sp>
+        <p:nvSpPr>
+          <p:cNvPr id="2" name="Заголовок 1"/>
+          <p:cNvSpPr>
+            <a:spLocks noGrp="1"/>
+          </p:cNvSpPr>
+          <p:nvPr>
+            <p:ph type="title"/>
+          </p:nvPr>
+        </p:nvSpPr>
+        <p:spPr/>
+        <p:txBody>
+          <a:bodyPr/>
+          <a:lstStyle/>
+          <a:p>
+            <a:r>
+              <a:rPr lang="ru-RU" dirty="0" smtClean="0"/>
+              <a:t>Перегрузка операций</a:t>
+            </a:r>
+            <a:endParaRPr lang="ru-RU" dirty="0"/>
+          </a:p>
+        </p:txBody>
+      </p:sp>
+      <p:sp>
+        <p:nvSpPr>
+          <p:cNvPr id="3" name="Содержимое 2"/>
+          <p:cNvSpPr>
+            <a:spLocks noGrp="1"/>
+          </p:cNvSpPr>
+          <p:nvPr>
+            <p:ph idx="1"/>
+          </p:nvPr>
+        </p:nvSpPr>
+        <p:spPr/>
+        <p:txBody>
+          <a:bodyPr>
+            <a:normAutofit/>
+          </a:bodyPr>
+          <a:lstStyle/>
+          <a:p>
+            <a:pPr fontAlgn="base"/>
+            <a:r>
+              <a:rPr lang="ru-RU" dirty="0" smtClean="0"/>
+              <a:t>Бинарные  операции:</a:t>
+            </a:r>
+            <a:endParaRPr lang="en-US" dirty="0" smtClean="0"/>
+          </a:p>
+          <a:p>
+            <a:pPr fontAlgn="base"/>
+            <a:r>
+              <a:rPr lang="ru-RU" dirty="0" smtClean="0"/>
+              <a:t>В классе:</a:t>
+            </a:r>
+            <a:endParaRPr lang="en-US" dirty="0" smtClean="0"/>
+          </a:p>
+          <a:p>
+            <a:pPr lvl="1" fontAlgn="base"/>
+            <a:r>
+              <a:rPr lang="en-US" dirty="0" smtClean="0"/>
+              <a:t>{</a:t>
+            </a:r>
+            <a:r>
+              <a:rPr lang="ru-RU" dirty="0" smtClean="0"/>
+              <a:t>Тип возвращаемого значения</a:t>
+            </a:r>
+            <a:r>
+              <a:rPr lang="en-US" dirty="0" smtClean="0"/>
+              <a:t>} operator {</a:t>
+            </a:r>
+            <a:r>
+              <a:rPr lang="ru-RU" dirty="0" smtClean="0"/>
+              <a:t>знак операции</a:t>
+            </a:r>
+            <a:r>
+              <a:rPr lang="en-US" dirty="0" smtClean="0"/>
+              <a:t>}</a:t>
+            </a:r>
+            <a:r>
+              <a:rPr lang="ru-RU" dirty="0" smtClean="0"/>
+              <a:t> (</a:t>
+            </a:r>
+            <a:r>
+              <a:rPr lang="en-US" dirty="0" smtClean="0"/>
+              <a:t>{</a:t>
+            </a:r>
+            <a:r>
+              <a:rPr lang="ru-RU" dirty="0" smtClean="0"/>
+              <a:t>Тип параметра</a:t>
+            </a:r>
+            <a:r>
+              <a:rPr lang="en-US" dirty="0" smtClean="0"/>
+              <a:t>} {</a:t>
+            </a:r>
+            <a:r>
+              <a:rPr lang="ru-RU" dirty="0" smtClean="0"/>
+              <a:t>имя параметра</a:t>
+            </a:r>
+            <a:r>
+              <a:rPr lang="en-US" dirty="0" smtClean="0"/>
+              <a:t>}</a:t>
+            </a:r>
+            <a:r>
+              <a:rPr lang="ru-RU" dirty="0" smtClean="0"/>
+              <a:t>);</a:t>
+            </a:r>
+          </a:p>
+          <a:p>
+            <a:pPr fontAlgn="base"/>
+            <a:r>
+              <a:rPr lang="ru-RU" dirty="0" smtClean="0"/>
+              <a:t>Отдельная функция:</a:t>
+            </a:r>
+          </a:p>
+          <a:p>
+            <a:pPr lvl="1" fontAlgn="base"/>
+            <a:r>
+              <a:rPr lang="en-US" dirty="0" smtClean="0"/>
+              <a:t>{</a:t>
+            </a:r>
+            <a:r>
+              <a:rPr lang="ru-RU" dirty="0" smtClean="0"/>
+              <a:t>Тип возвращаемого значения</a:t>
+            </a:r>
+            <a:r>
+              <a:rPr lang="en-US" dirty="0" smtClean="0"/>
+              <a:t>} operator {</a:t>
+            </a:r>
+            <a:r>
+              <a:rPr lang="ru-RU" dirty="0" smtClean="0"/>
+              <a:t>знак операции</a:t>
+            </a:r>
+            <a:r>
+              <a:rPr lang="en-US" dirty="0" smtClean="0"/>
+              <a:t>}</a:t>
+            </a:r>
+            <a:r>
+              <a:rPr lang="ru-RU" dirty="0" smtClean="0"/>
+              <a:t> (</a:t>
+            </a:r>
+            <a:r>
+              <a:rPr lang="en-US" dirty="0" smtClean="0"/>
+              <a:t>{</a:t>
+            </a:r>
+            <a:r>
+              <a:rPr lang="ru-RU" dirty="0" smtClean="0"/>
+              <a:t>Тип параметра</a:t>
+            </a:r>
+            <a:r>
+              <a:rPr lang="en-US" dirty="0" smtClean="0"/>
+              <a:t>} {</a:t>
+            </a:r>
+            <a:r>
+              <a:rPr lang="ru-RU" dirty="0" smtClean="0"/>
+              <a:t>имя параметра</a:t>
+            </a:r>
+            <a:r>
+              <a:rPr lang="en-US" dirty="0" smtClean="0"/>
+              <a:t> 1}, {</a:t>
+            </a:r>
+            <a:r>
+              <a:rPr lang="ru-RU" dirty="0" smtClean="0"/>
+              <a:t>Тип параметра</a:t>
+            </a:r>
+            <a:r>
+              <a:rPr lang="en-US" dirty="0" smtClean="0"/>
+              <a:t>} {</a:t>
+            </a:r>
+            <a:r>
+              <a:rPr lang="ru-RU" dirty="0" smtClean="0"/>
+              <a:t>имя параметра</a:t>
+            </a:r>
+            <a:r>
+              <a:rPr lang="en-US" dirty="0" smtClean="0"/>
+              <a:t> 2}</a:t>
+            </a:r>
+            <a:r>
+              <a:rPr lang="ru-RU" dirty="0" smtClean="0"/>
+              <a:t>);</a:t>
+            </a:r>
+          </a:p>
+          <a:p>
+            <a:pPr fontAlgn="base"/>
+            <a:endParaRPr lang="ru-RU" dirty="0" smtClean="0"/>
+          </a:p>
+          <a:p>
+            <a:pPr fontAlgn="base"/>
+            <a:endParaRPr lang="en-US" dirty="0" smtClean="0"/>
+          </a:p>
+        </p:txBody>
+      </p:sp>
+    </p:spTree>
+  </p:cSld>
+  <p:clrMapOvr>
+    <a:masterClrMapping/>
+  </p:clrMapOvr>
+</p:sld>
+</file>
+
+<file path=ppt/slides/slide13.xml><?xml version="1.0" encoding="utf-8"?>
+<p:sld xmlns:a="http://schemas.openxmlformats.org/drawingml/2006/main" xmlns:r="http://schemas.openxmlformats.org/officeDocument/2006/relationships" xmlns:p="http://schemas.openxmlformats.org/presentationml/2006/main">
+  <p:cSld>
+    <p:spTree>
+      <p:nvGrpSpPr>
+        <p:cNvPr id="1" name=""/>
+        <p:cNvGrpSpPr/>
+        <p:nvPr/>
+      </p:nvGrpSpPr>
+      <p:grpSpPr>
+        <a:xfrm>
+          <a:off x="0" y="0"/>
+          <a:ext cx="0" cy="0"/>
+          <a:chOff x="0" y="0"/>
+          <a:chExt cx="0" cy="0"/>
+        </a:xfrm>
+      </p:grpSpPr>
+      <p:sp>
+        <p:nvSpPr>
+          <p:cNvPr id="2" name="Заголовок 1"/>
+          <p:cNvSpPr>
+            <a:spLocks noGrp="1"/>
+          </p:cNvSpPr>
+          <p:nvPr>
+            <p:ph type="title"/>
+          </p:nvPr>
+        </p:nvSpPr>
+        <p:spPr/>
+        <p:txBody>
+          <a:bodyPr/>
+          <a:lstStyle/>
+          <a:p>
+            <a:r>
+              <a:rPr lang="ru-RU" dirty="0" smtClean="0"/>
+              <a:t>Перегрузка операций</a:t>
+            </a:r>
+            <a:endParaRPr lang="ru-RU" dirty="0"/>
+          </a:p>
+        </p:txBody>
+      </p:sp>
+      <p:sp>
+        <p:nvSpPr>
+          <p:cNvPr id="3" name="Содержимое 2"/>
+          <p:cNvSpPr>
+            <a:spLocks noGrp="1"/>
+          </p:cNvSpPr>
+          <p:nvPr>
+            <p:ph idx="1"/>
+          </p:nvPr>
+        </p:nvSpPr>
+        <p:spPr/>
+        <p:txBody>
+          <a:bodyPr>
+            <a:normAutofit fontScale="85000" lnSpcReduction="20000"/>
+          </a:bodyPr>
+          <a:lstStyle/>
+          <a:p>
+            <a:pPr fontAlgn="base"/>
+            <a:r>
+              <a:rPr lang="ru-RU" dirty="0" smtClean="0"/>
+              <a:t>Унарные операции:</a:t>
+            </a:r>
+            <a:endParaRPr lang="en-US" dirty="0" smtClean="0"/>
+          </a:p>
+          <a:p>
+            <a:pPr fontAlgn="base"/>
+            <a:r>
+              <a:rPr lang="ru-RU" dirty="0" smtClean="0"/>
+              <a:t>В классе:</a:t>
+            </a:r>
+          </a:p>
+          <a:p>
+            <a:pPr lvl="1" fontAlgn="base"/>
+            <a:r>
+              <a:rPr lang="en-US" dirty="0" smtClean="0"/>
+              <a:t>{</a:t>
+            </a:r>
+            <a:r>
+              <a:rPr lang="ru-RU" dirty="0" smtClean="0"/>
+              <a:t>Тип возвращаемого значения</a:t>
+            </a:r>
+            <a:r>
+              <a:rPr lang="en-US" dirty="0" smtClean="0"/>
+              <a:t>} operator {</a:t>
+            </a:r>
+            <a:r>
+              <a:rPr lang="ru-RU" dirty="0" smtClean="0"/>
+              <a:t>знак операции</a:t>
+            </a:r>
+            <a:r>
+              <a:rPr lang="en-US" dirty="0" smtClean="0"/>
+              <a:t>}</a:t>
+            </a:r>
+            <a:r>
+              <a:rPr lang="ru-RU" dirty="0" smtClean="0"/>
+              <a:t> (); // префиксная форма</a:t>
+            </a:r>
+          </a:p>
+          <a:p>
+            <a:pPr lvl="1" fontAlgn="base"/>
+            <a:r>
+              <a:rPr lang="en-US" dirty="0" smtClean="0"/>
+              <a:t>{</a:t>
+            </a:r>
+            <a:r>
+              <a:rPr lang="ru-RU" dirty="0" smtClean="0"/>
+              <a:t>Тип возвращаемого значения</a:t>
+            </a:r>
+            <a:r>
+              <a:rPr lang="en-US" dirty="0" smtClean="0"/>
+              <a:t>} operator {</a:t>
+            </a:r>
+            <a:r>
+              <a:rPr lang="ru-RU" dirty="0" smtClean="0"/>
+              <a:t>знак операции</a:t>
+            </a:r>
+            <a:r>
+              <a:rPr lang="en-US" dirty="0" smtClean="0"/>
+              <a:t>}</a:t>
+            </a:r>
+            <a:r>
+              <a:rPr lang="ru-RU" dirty="0" smtClean="0"/>
+              <a:t> (</a:t>
+            </a:r>
+            <a:r>
+              <a:rPr lang="en-US" dirty="0" err="1" smtClean="0"/>
+              <a:t>int</a:t>
+            </a:r>
+            <a:r>
+              <a:rPr lang="ru-RU" dirty="0" smtClean="0"/>
+              <a:t>); // постфиксная форма</a:t>
+            </a:r>
+            <a:endParaRPr lang="en-US" dirty="0" smtClean="0"/>
+          </a:p>
+          <a:p>
+            <a:pPr fontAlgn="base"/>
+            <a:r>
+              <a:rPr lang="ru-RU" dirty="0" smtClean="0"/>
+              <a:t>Отдельная функция:</a:t>
+            </a:r>
+            <a:endParaRPr lang="en-US" dirty="0" smtClean="0"/>
+          </a:p>
+          <a:p>
+            <a:pPr lvl="1" fontAlgn="base"/>
+            <a:r>
+              <a:rPr lang="en-US" dirty="0" smtClean="0"/>
+              <a:t>{</a:t>
+            </a:r>
+            <a:r>
+              <a:rPr lang="ru-RU" dirty="0" smtClean="0"/>
+              <a:t>Тип возвращаемого значения</a:t>
+            </a:r>
+            <a:r>
+              <a:rPr lang="en-US" dirty="0" smtClean="0"/>
+              <a:t>} operator {</a:t>
+            </a:r>
+            <a:r>
+              <a:rPr lang="ru-RU" dirty="0" smtClean="0"/>
+              <a:t>знак операции</a:t>
+            </a:r>
+            <a:r>
+              <a:rPr lang="en-US" dirty="0" smtClean="0"/>
+              <a:t>}</a:t>
+            </a:r>
+            <a:r>
+              <a:rPr lang="ru-RU" dirty="0" smtClean="0"/>
+              <a:t> (</a:t>
+            </a:r>
+            <a:r>
+              <a:rPr lang="en-US" dirty="0" smtClean="0"/>
+              <a:t>{</a:t>
+            </a:r>
+            <a:r>
+              <a:rPr lang="ru-RU" dirty="0" smtClean="0"/>
+              <a:t>Тип параметра</a:t>
+            </a:r>
+            <a:r>
+              <a:rPr lang="en-US" dirty="0" smtClean="0"/>
+              <a:t>} {</a:t>
+            </a:r>
+            <a:r>
+              <a:rPr lang="ru-RU" dirty="0" smtClean="0"/>
+              <a:t>имя параметра</a:t>
+            </a:r>
+            <a:r>
+              <a:rPr lang="en-US" dirty="0" smtClean="0"/>
+              <a:t>}</a:t>
+            </a:r>
+            <a:r>
+              <a:rPr lang="ru-RU" dirty="0" smtClean="0"/>
+              <a:t>); // префиксная форма</a:t>
+            </a:r>
+          </a:p>
+          <a:p>
+            <a:pPr lvl="1" fontAlgn="base"/>
+            <a:r>
+              <a:rPr lang="en-US" dirty="0" smtClean="0"/>
+              <a:t>{</a:t>
+            </a:r>
+            <a:r>
+              <a:rPr lang="ru-RU" dirty="0" smtClean="0"/>
+              <a:t>Тип возвращаемого значения</a:t>
+            </a:r>
+            <a:r>
+              <a:rPr lang="en-US" dirty="0" smtClean="0"/>
+              <a:t>} operator {</a:t>
+            </a:r>
+            <a:r>
+              <a:rPr lang="ru-RU" dirty="0" smtClean="0"/>
+              <a:t>знак операции</a:t>
+            </a:r>
+            <a:r>
+              <a:rPr lang="en-US" dirty="0" smtClean="0"/>
+              <a:t>}</a:t>
+            </a:r>
+            <a:r>
+              <a:rPr lang="ru-RU" dirty="0" smtClean="0"/>
+              <a:t> (</a:t>
+            </a:r>
+            <a:r>
+              <a:rPr lang="en-US" dirty="0" smtClean="0"/>
+              <a:t>{</a:t>
+            </a:r>
+            <a:r>
+              <a:rPr lang="ru-RU" dirty="0" smtClean="0"/>
+              <a:t>Тип параметра</a:t>
+            </a:r>
+            <a:r>
+              <a:rPr lang="en-US" dirty="0" smtClean="0"/>
+              <a:t>} {</a:t>
+            </a:r>
+            <a:r>
+              <a:rPr lang="ru-RU" dirty="0" smtClean="0"/>
+              <a:t>имя параметра</a:t>
+            </a:r>
+            <a:r>
+              <a:rPr lang="en-US" dirty="0" smtClean="0"/>
+              <a:t>} , </a:t>
+            </a:r>
+            <a:r>
+              <a:rPr lang="en-US" dirty="0" err="1" smtClean="0"/>
+              <a:t>int</a:t>
+            </a:r>
+            <a:r>
+              <a:rPr lang="ru-RU" dirty="0" smtClean="0"/>
+              <a:t>); // постфиксная форма</a:t>
+            </a:r>
+            <a:endParaRPr lang="en-US" dirty="0" smtClean="0"/>
+          </a:p>
+          <a:p>
+            <a:pPr fontAlgn="base"/>
+            <a:endParaRPr lang="ru-RU" dirty="0" smtClean="0"/>
+          </a:p>
+          <a:p>
+            <a:pPr lvl="1" fontAlgn="base"/>
+            <a:endParaRPr lang="ru-RU" dirty="0" smtClean="0"/>
+          </a:p>
+          <a:p>
+            <a:pPr fontAlgn="base"/>
+            <a:endParaRPr lang="ru-RU" dirty="0" smtClean="0"/>
+          </a:p>
+          <a:p>
+            <a:pPr fontAlgn="base"/>
+            <a:endParaRPr lang="en-US" dirty="0" smtClean="0"/>
+          </a:p>
+        </p:txBody>
+      </p:sp>
+    </p:spTree>
+  </p:cSld>
+  <p:clrMapOvr>
+    <a:masterClrMapping/>
+  </p:clrMapOvr>
+</p:sld>
+</file>
+
+<file path=ppt/slides/slide14.xml><?xml version="1.0" encoding="utf-8"?>
+<p:sld xmlns:a="http://schemas.openxmlformats.org/drawingml/2006/main" xmlns:r="http://schemas.openxmlformats.org/officeDocument/2006/relationships" xmlns:p="http://schemas.openxmlformats.org/presentationml/2006/main">
+  <p:cSld>
+    <p:spTree>
+      <p:nvGrpSpPr>
+        <p:cNvPr id="1" name=""/>
+        <p:cNvGrpSpPr/>
+        <p:nvPr/>
+      </p:nvGrpSpPr>
+      <p:grpSpPr>
+        <a:xfrm>
+          <a:off x="0" y="0"/>
+          <a:ext cx="0" cy="0"/>
+          <a:chOff x="0" y="0"/>
+          <a:chExt cx="0" cy="0"/>
+        </a:xfrm>
+      </p:grpSpPr>
+      <p:sp>
+        <p:nvSpPr>
+          <p:cNvPr id="2" name="Заголовок 1"/>
+          <p:cNvSpPr>
+            <a:spLocks noGrp="1"/>
+          </p:cNvSpPr>
+          <p:nvPr>
+            <p:ph type="title"/>
+          </p:nvPr>
+        </p:nvSpPr>
+        <p:spPr/>
+        <p:txBody>
+          <a:bodyPr/>
+          <a:lstStyle/>
+          <a:p>
+            <a:r>
+              <a:rPr lang="ru-RU" dirty="0" smtClean="0"/>
+              <a:t>Перегрузка операций</a:t>
+            </a:r>
+            <a:endParaRPr lang="ru-RU" dirty="0"/>
+          </a:p>
+        </p:txBody>
+      </p:sp>
+      <p:sp>
+        <p:nvSpPr>
+          <p:cNvPr id="3" name="Содержимое 2"/>
+          <p:cNvSpPr>
+            <a:spLocks noGrp="1"/>
+          </p:cNvSpPr>
+          <p:nvPr>
+            <p:ph idx="1"/>
+          </p:nvPr>
+        </p:nvSpPr>
+        <p:spPr/>
+        <p:txBody>
+          <a:bodyPr>
+            <a:normAutofit/>
+          </a:bodyPr>
+          <a:lstStyle/>
+          <a:p>
+            <a:pPr fontAlgn="base"/>
+            <a:r>
+              <a:rPr lang="ru-RU" dirty="0" smtClean="0"/>
+              <a:t>Операция приведения типа:</a:t>
+            </a:r>
+          </a:p>
+          <a:p>
+            <a:pPr fontAlgn="base"/>
+            <a:r>
+              <a:rPr lang="en-US" dirty="0" smtClean="0"/>
+              <a:t>Operator {</a:t>
+            </a:r>
+            <a:r>
+              <a:rPr lang="ru-RU" dirty="0" smtClean="0"/>
+              <a:t>Тип параметра</a:t>
+            </a:r>
+            <a:r>
+              <a:rPr lang="en-US" dirty="0" smtClean="0"/>
+              <a:t>}</a:t>
+            </a:r>
+            <a:r>
+              <a:rPr lang="ru-RU" dirty="0" smtClean="0"/>
+              <a:t> ()</a:t>
+            </a:r>
+            <a:r>
+              <a:rPr lang="en-US" dirty="0" smtClean="0"/>
+              <a:t>;</a:t>
+            </a:r>
+            <a:endParaRPr lang="ru-RU" dirty="0" smtClean="0"/>
+          </a:p>
+          <a:p>
+            <a:pPr fontAlgn="base"/>
+            <a:endParaRPr lang="ru-RU" smtClean="0"/>
+          </a:p>
+          <a:p>
+            <a:pPr fontAlgn="base"/>
+            <a:endParaRPr lang="en-US" dirty="0" smtClean="0"/>
+          </a:p>
+        </p:txBody>
+      </p:sp>
+    </p:spTree>
+  </p:cSld>
+  <p:clrMapOvr>
+    <a:masterClrMapping/>
+  </p:clrMapOvr>
+</p:sld>
+</file>
+
+<file path=ppt/slides/slide15.xml><?xml version="1.0" encoding="utf-8"?>
+<p:sld xmlns:a="http://schemas.openxmlformats.org/drawingml/2006/main" xmlns:r="http://schemas.openxmlformats.org/officeDocument/2006/relationships" xmlns:p="http://schemas.openxmlformats.org/presentationml/2006/main">
+  <p:cSld>
+    <p:spTree>
+      <p:nvGrpSpPr>
+        <p:cNvPr id="1" name=""/>
+        <p:cNvGrpSpPr/>
+        <p:nvPr/>
+      </p:nvGrpSpPr>
+      <p:grpSpPr>
+        <a:xfrm>
+          <a:off x="0" y="0"/>
+          <a:ext cx="0" cy="0"/>
+          <a:chOff x="0" y="0"/>
+          <a:chExt cx="0" cy="0"/>
+        </a:xfrm>
+      </p:grpSpPr>
+      <p:sp>
+        <p:nvSpPr>
+          <p:cNvPr id="2" name="Заголовок 1"/>
+          <p:cNvSpPr>
+            <a:spLocks noGrp="1"/>
+          </p:cNvSpPr>
+          <p:nvPr>
+            <p:ph type="title"/>
+          </p:nvPr>
+        </p:nvSpPr>
+        <p:spPr/>
+        <p:txBody>
+          <a:bodyPr/>
+          <a:lstStyle/>
+          <a:p>
+            <a:r>
+              <a:rPr lang="ru-RU" dirty="0" smtClean="0"/>
+              <a:t>Шаблоны</a:t>
+            </a:r>
+            <a:endParaRPr lang="ru-RU" dirty="0"/>
+          </a:p>
+        </p:txBody>
+      </p:sp>
+      <p:sp>
+        <p:nvSpPr>
+          <p:cNvPr id="3" name="Содержимое 2"/>
+          <p:cNvSpPr>
+            <a:spLocks noGrp="1"/>
+          </p:cNvSpPr>
+          <p:nvPr>
+            <p:ph sz="half" idx="1"/>
+          </p:nvPr>
+        </p:nvSpPr>
+        <p:spPr/>
+        <p:txBody>
+          <a:bodyPr>
+            <a:normAutofit/>
+          </a:bodyPr>
+          <a:lstStyle/>
+          <a:p>
+            <a:pPr fontAlgn="base"/>
+            <a:r>
+              <a:rPr lang="en-US" dirty="0" smtClean="0"/>
+              <a:t>Template&lt;class T&gt;</a:t>
+            </a:r>
+          </a:p>
+          <a:p>
+            <a:pPr fontAlgn="base"/>
+            <a:r>
+              <a:rPr lang="en-US" dirty="0" smtClean="0"/>
+              <a:t>Class A</a:t>
+            </a:r>
+          </a:p>
+          <a:p>
+            <a:pPr fontAlgn="base"/>
+            <a:r>
+              <a:rPr lang="en-US" dirty="0" smtClean="0"/>
+              <a:t>{</a:t>
+            </a:r>
+          </a:p>
+          <a:p>
+            <a:pPr fontAlgn="base"/>
+            <a:r>
+              <a:rPr lang="en-US" dirty="0" smtClean="0"/>
+              <a:t>  T a;</a:t>
+            </a:r>
+          </a:p>
+          <a:p>
+            <a:pPr fontAlgn="base"/>
+            <a:r>
+              <a:rPr lang="en-US" dirty="0" smtClean="0"/>
+              <a:t>  T print(T b);</a:t>
+            </a:r>
+            <a:br>
+              <a:rPr lang="en-US" dirty="0" smtClean="0"/>
+            </a:br>
+            <a:r>
+              <a:rPr lang="en-US" dirty="0" smtClean="0"/>
+              <a:t>}</a:t>
+            </a:r>
+            <a:endParaRPr lang="ru-RU" dirty="0" smtClean="0"/>
+          </a:p>
+          <a:p>
+            <a:pPr fontAlgn="base"/>
+            <a:endParaRPr lang="ru-RU" dirty="0" smtClean="0"/>
+          </a:p>
+          <a:p>
+            <a:pPr fontAlgn="base"/>
+            <a:endParaRPr lang="en-US" dirty="0" smtClean="0"/>
+          </a:p>
+        </p:txBody>
+      </p:sp>
+      <p:sp>
+        <p:nvSpPr>
+          <p:cNvPr id="4" name="Содержимое 3"/>
+          <p:cNvSpPr>
+            <a:spLocks noGrp="1"/>
+          </p:cNvSpPr>
+          <p:nvPr>
+            <p:ph sz="half" idx="2"/>
+          </p:nvPr>
+        </p:nvSpPr>
+        <p:spPr/>
+        <p:txBody>
+          <a:bodyPr/>
+          <a:lstStyle/>
+          <a:p>
+            <a:pPr fontAlgn="base"/>
+            <a:r>
+              <a:rPr lang="en-US" dirty="0" smtClean="0"/>
+              <a:t>Template&lt;</a:t>
+            </a:r>
+            <a:r>
+              <a:rPr lang="en-US" dirty="0" err="1" smtClean="0"/>
+              <a:t>typename</a:t>
+            </a:r>
+            <a:r>
+              <a:rPr lang="en-US" dirty="0" smtClean="0"/>
+              <a:t> T&gt;</a:t>
+            </a:r>
+          </a:p>
+          <a:p>
+            <a:pPr fontAlgn="base"/>
+            <a:r>
+              <a:rPr lang="en-US" dirty="0" smtClean="0"/>
+              <a:t>Class A</a:t>
+            </a:r>
+          </a:p>
+          <a:p>
+            <a:pPr fontAlgn="base"/>
+            <a:r>
+              <a:rPr lang="en-US" dirty="0" smtClean="0"/>
+              <a:t>{</a:t>
+            </a:r>
+          </a:p>
+          <a:p>
+            <a:pPr fontAlgn="base"/>
+            <a:r>
+              <a:rPr lang="en-US" dirty="0" smtClean="0"/>
+              <a:t>  T a;</a:t>
+            </a:r>
+          </a:p>
+          <a:p>
+            <a:pPr fontAlgn="base"/>
+            <a:r>
+              <a:rPr lang="en-US" dirty="0" smtClean="0"/>
+              <a:t>  T print(T b);</a:t>
+            </a:r>
+            <a:br>
+              <a:rPr lang="en-US" dirty="0" smtClean="0"/>
+            </a:br>
+            <a:r>
+              <a:rPr lang="en-US" dirty="0" smtClean="0"/>
+              <a:t>}</a:t>
+            </a:r>
+            <a:endParaRPr lang="ru-RU" dirty="0" smtClean="0"/>
+          </a:p>
+          <a:p>
+            <a:pPr fontAlgn="base"/>
+            <a:endParaRPr lang="ru-RU" dirty="0" smtClean="0"/>
+          </a:p>
+          <a:p>
+            <a:pPr fontAlgn="base"/>
+            <a:endParaRPr lang="en-US" dirty="0" smtClean="0"/>
+          </a:p>
+          <a:p>
+            <a:endParaRPr lang="ru-RU" dirty="0"/>
+          </a:p>
+        </p:txBody>
+      </p:sp>
+    </p:spTree>
+  </p:cSld>
+  <p:clrMapOvr>
+    <a:masterClrMapping/>
+  </p:clrMapOvr>
+</p:sld>
+</file>
+
+<file path=ppt/slides/slide2.xml><?xml version="1.0" encoding="utf-8"?>
+<p:sld xmlns:a="http://schemas.openxmlformats.org/drawingml/2006/main" xmlns:r="http://schemas.openxmlformats.org/officeDocument/2006/relationships" xmlns:p="http://schemas.openxmlformats.org/presentationml/2006/main">
+  <p:cSld>
+    <p:spTree>
+      <p:nvGrpSpPr>
+        <p:cNvPr id="1" name=""/>
+        <p:cNvGrpSpPr/>
+        <p:nvPr/>
+      </p:nvGrpSpPr>
+      <p:grpSpPr>
+        <a:xfrm>
+          <a:off x="0" y="0"/>
+          <a:ext cx="0" cy="0"/>
+          <a:chOff x="0" y="0"/>
+          <a:chExt cx="0" cy="0"/>
+        </a:xfrm>
+      </p:grpSpPr>
+      <p:sp>
+        <p:nvSpPr>
+          <p:cNvPr id="2" name="Заголовок 1"/>
+          <p:cNvSpPr>
+            <a:spLocks noGrp="1"/>
+          </p:cNvSpPr>
+          <p:nvPr>
+            <p:ph type="title"/>
+          </p:nvPr>
+        </p:nvSpPr>
+        <p:spPr/>
+        <p:txBody>
+          <a:bodyPr/>
+          <a:lstStyle/>
+          <a:p>
+            <a:r>
+              <a:rPr lang="ru-RU" dirty="0" smtClean="0"/>
+              <a:t>С++</a:t>
+            </a:r>
+            <a:endParaRPr lang="ru-RU" dirty="0"/>
+          </a:p>
+        </p:txBody>
+      </p:sp>
+      <p:sp>
+        <p:nvSpPr>
+          <p:cNvPr id="5" name="TextBox 4"/>
+          <p:cNvSpPr txBox="1"/>
+          <p:nvPr/>
+        </p:nvSpPr>
+        <p:spPr>
+          <a:xfrm>
+            <a:off x="3995936" y="1340768"/>
+            <a:ext cx="1741759" cy="584775"/>
+          </a:xfrm>
+          <a:prstGeom prst="rect">
+            <a:avLst/>
+          </a:prstGeom>
+          <a:noFill/>
+          <a:ln>
+            <a:solidFill>
+              <a:schemeClr val="tx1"/>
+            </a:solidFill>
+          </a:ln>
+        </p:spPr>
+        <p:txBody>
+          <a:bodyPr wrap="none" rtlCol="0">
+            <a:spAutoFit/>
+          </a:bodyPr>
+          <a:lstStyle/>
+          <a:p>
+            <a:r>
+              <a:rPr lang="ru-RU" sz="3200" dirty="0" smtClean="0"/>
+              <a:t>Решение</a:t>
+            </a:r>
+            <a:endParaRPr lang="ru-RU" sz="3200" dirty="0"/>
+          </a:p>
+        </p:txBody>
+      </p:sp>
+      <p:sp>
+        <p:nvSpPr>
+          <p:cNvPr id="6" name="TextBox 5"/>
+          <p:cNvSpPr txBox="1"/>
+          <p:nvPr/>
+        </p:nvSpPr>
+        <p:spPr>
+          <a:xfrm>
+            <a:off x="2483768" y="2204864"/>
+            <a:ext cx="1055097" cy="369332"/>
+          </a:xfrm>
+          <a:prstGeom prst="rect">
+            <a:avLst/>
+          </a:prstGeom>
+          <a:noFill/>
+          <a:ln>
+            <a:solidFill>
+              <a:schemeClr val="tx1"/>
+            </a:solidFill>
+          </a:ln>
+        </p:spPr>
+        <p:txBody>
+          <a:bodyPr wrap="none" rtlCol="0">
+            <a:spAutoFit/>
+          </a:bodyPr>
+          <a:lstStyle/>
+          <a:p>
+            <a:r>
+              <a:rPr lang="ru-RU" dirty="0" smtClean="0"/>
+              <a:t>Проект 1</a:t>
+            </a:r>
+            <a:endParaRPr lang="ru-RU" dirty="0"/>
+          </a:p>
+        </p:txBody>
+      </p:sp>
+      <p:sp>
+        <p:nvSpPr>
+          <p:cNvPr id="7" name="TextBox 6"/>
+          <p:cNvSpPr txBox="1"/>
+          <p:nvPr/>
+        </p:nvSpPr>
+        <p:spPr>
+          <a:xfrm>
+            <a:off x="6228184" y="2204864"/>
+            <a:ext cx="1087157" cy="369332"/>
+          </a:xfrm>
+          <a:prstGeom prst="rect">
+            <a:avLst/>
+          </a:prstGeom>
+          <a:noFill/>
+          <a:ln>
+            <a:solidFill>
+              <a:schemeClr val="tx1"/>
+            </a:solidFill>
+          </a:ln>
+        </p:spPr>
+        <p:txBody>
+          <a:bodyPr wrap="none" rtlCol="0">
+            <a:spAutoFit/>
+          </a:bodyPr>
+          <a:lstStyle/>
+          <a:p>
+            <a:r>
+              <a:rPr lang="ru-RU" dirty="0" smtClean="0"/>
+              <a:t>Проект </a:t>
+            </a:r>
+            <a:r>
+              <a:rPr lang="en-US" dirty="0" smtClean="0"/>
+              <a:t>N</a:t>
+            </a:r>
+            <a:endParaRPr lang="ru-RU" dirty="0"/>
+          </a:p>
+        </p:txBody>
+      </p:sp>
+      <p:sp>
+        <p:nvSpPr>
+          <p:cNvPr id="8" name="TextBox 7"/>
+          <p:cNvSpPr txBox="1"/>
+          <p:nvPr/>
+        </p:nvSpPr>
+        <p:spPr>
+          <a:xfrm>
+            <a:off x="683568" y="2780928"/>
+            <a:ext cx="1656184" cy="646331"/>
+          </a:xfrm>
+          <a:prstGeom prst="rect">
+            <a:avLst/>
+          </a:prstGeom>
+          <a:noFill/>
+          <a:ln>
+            <a:solidFill>
+              <a:schemeClr val="tx1"/>
+            </a:solidFill>
+          </a:ln>
+        </p:spPr>
+        <p:txBody>
+          <a:bodyPr wrap="square" rtlCol="0">
+            <a:spAutoFit/>
+          </a:bodyPr>
+          <a:lstStyle/>
+          <a:p>
+            <a:r>
+              <a:rPr lang="ru-RU" dirty="0" smtClean="0"/>
+              <a:t>Пространство имен</a:t>
+            </a:r>
+            <a:endParaRPr lang="ru-RU" dirty="0"/>
+          </a:p>
+        </p:txBody>
+      </p:sp>
+      <p:sp>
+        <p:nvSpPr>
+          <p:cNvPr id="10" name="TextBox 9"/>
+          <p:cNvSpPr txBox="1"/>
+          <p:nvPr/>
+        </p:nvSpPr>
+        <p:spPr>
+          <a:xfrm>
+            <a:off x="2771800" y="2780928"/>
+            <a:ext cx="1656184" cy="646331"/>
+          </a:xfrm>
+          <a:prstGeom prst="rect">
+            <a:avLst/>
+          </a:prstGeom>
+          <a:noFill/>
+          <a:ln>
+            <a:solidFill>
+              <a:schemeClr val="tx1"/>
+            </a:solidFill>
+          </a:ln>
+        </p:spPr>
+        <p:txBody>
+          <a:bodyPr wrap="square" rtlCol="0">
+            <a:spAutoFit/>
+          </a:bodyPr>
+          <a:lstStyle/>
+          <a:p>
+            <a:r>
+              <a:rPr lang="ru-RU" dirty="0" smtClean="0"/>
+              <a:t>Пространство имен</a:t>
+            </a:r>
+            <a:endParaRPr lang="ru-RU" dirty="0"/>
+          </a:p>
+        </p:txBody>
+      </p:sp>
+      <p:sp>
+        <p:nvSpPr>
+          <p:cNvPr id="11" name="TextBox 10"/>
+          <p:cNvSpPr txBox="1"/>
+          <p:nvPr/>
+        </p:nvSpPr>
+        <p:spPr>
+          <a:xfrm>
+            <a:off x="5004048" y="2780928"/>
+            <a:ext cx="1584176" cy="646331"/>
+          </a:xfrm>
+          <a:prstGeom prst="rect">
+            <a:avLst/>
+          </a:prstGeom>
+          <a:noFill/>
+          <a:ln>
+            <a:solidFill>
+              <a:schemeClr val="tx1"/>
+            </a:solidFill>
+          </a:ln>
+        </p:spPr>
+        <p:txBody>
+          <a:bodyPr wrap="square" rtlCol="0">
+            <a:spAutoFit/>
+          </a:bodyPr>
+          <a:lstStyle/>
+          <a:p>
+            <a:r>
+              <a:rPr lang="ru-RU" dirty="0" smtClean="0"/>
+              <a:t>Пространство имен</a:t>
+            </a:r>
+            <a:endParaRPr lang="ru-RU" dirty="0"/>
+          </a:p>
+        </p:txBody>
+      </p:sp>
+      <p:sp>
+        <p:nvSpPr>
+          <p:cNvPr id="12" name="TextBox 11"/>
+          <p:cNvSpPr txBox="1"/>
+          <p:nvPr/>
+        </p:nvSpPr>
+        <p:spPr>
+          <a:xfrm>
+            <a:off x="6876256" y="2780928"/>
+            <a:ext cx="1584176" cy="646331"/>
+          </a:xfrm>
+          <a:prstGeom prst="rect">
+            <a:avLst/>
+          </a:prstGeom>
+          <a:noFill/>
+          <a:ln>
+            <a:solidFill>
+              <a:schemeClr val="tx1"/>
+            </a:solidFill>
+          </a:ln>
+        </p:spPr>
+        <p:txBody>
+          <a:bodyPr wrap="square" rtlCol="0">
+            <a:spAutoFit/>
+          </a:bodyPr>
+          <a:lstStyle/>
+          <a:p>
+            <a:r>
+              <a:rPr lang="ru-RU" dirty="0" smtClean="0"/>
+              <a:t>Пространство имен</a:t>
+            </a:r>
+            <a:endParaRPr lang="ru-RU" dirty="0"/>
+          </a:p>
+        </p:txBody>
+      </p:sp>
+      <p:sp>
+        <p:nvSpPr>
+          <p:cNvPr id="13" name="TextBox 12"/>
+          <p:cNvSpPr txBox="1"/>
+          <p:nvPr/>
+        </p:nvSpPr>
+        <p:spPr>
+          <a:xfrm>
+            <a:off x="323528" y="3861048"/>
+            <a:ext cx="851515" cy="369332"/>
+          </a:xfrm>
+          <a:prstGeom prst="rect">
+            <a:avLst/>
+          </a:prstGeom>
+          <a:noFill/>
+          <a:ln>
+            <a:solidFill>
+              <a:schemeClr val="tx1"/>
+            </a:solidFill>
+          </a:ln>
+        </p:spPr>
+        <p:txBody>
+          <a:bodyPr wrap="none" rtlCol="0">
+            <a:spAutoFit/>
+          </a:bodyPr>
+          <a:lstStyle/>
+          <a:p>
+            <a:r>
+              <a:rPr lang="ru-RU" dirty="0" smtClean="0"/>
+              <a:t>Файлы</a:t>
+            </a:r>
+            <a:endParaRPr lang="ru-RU" dirty="0"/>
+          </a:p>
+        </p:txBody>
+      </p:sp>
+      <p:sp>
+        <p:nvSpPr>
+          <p:cNvPr id="14" name="TextBox 13"/>
+          <p:cNvSpPr txBox="1"/>
+          <p:nvPr/>
+        </p:nvSpPr>
+        <p:spPr>
+          <a:xfrm>
+            <a:off x="1403648" y="3861048"/>
+            <a:ext cx="851515" cy="369332"/>
+          </a:xfrm>
+          <a:prstGeom prst="rect">
+            <a:avLst/>
+          </a:prstGeom>
+          <a:noFill/>
+          <a:ln>
+            <a:solidFill>
+              <a:schemeClr val="tx1"/>
+            </a:solidFill>
+          </a:ln>
+        </p:spPr>
+        <p:txBody>
+          <a:bodyPr wrap="none" rtlCol="0">
+            <a:spAutoFit/>
+          </a:bodyPr>
+          <a:lstStyle/>
+          <a:p>
+            <a:r>
+              <a:rPr lang="ru-RU" dirty="0" smtClean="0"/>
+              <a:t>Файлы</a:t>
+            </a:r>
+            <a:endParaRPr lang="ru-RU" dirty="0"/>
+          </a:p>
+        </p:txBody>
+      </p:sp>
+      <p:sp>
+        <p:nvSpPr>
+          <p:cNvPr id="15" name="TextBox 14"/>
+          <p:cNvSpPr txBox="1"/>
+          <p:nvPr/>
+        </p:nvSpPr>
+        <p:spPr>
+          <a:xfrm>
+            <a:off x="2555776" y="3861048"/>
+            <a:ext cx="851515" cy="369332"/>
+          </a:xfrm>
+          <a:prstGeom prst="rect">
+            <a:avLst/>
+          </a:prstGeom>
+          <a:noFill/>
+          <a:ln>
+            <a:solidFill>
+              <a:schemeClr val="tx1"/>
+            </a:solidFill>
+          </a:ln>
+        </p:spPr>
+        <p:txBody>
+          <a:bodyPr wrap="none" rtlCol="0">
+            <a:spAutoFit/>
+          </a:bodyPr>
+          <a:lstStyle/>
+          <a:p>
+            <a:r>
+              <a:rPr lang="ru-RU" dirty="0" smtClean="0"/>
+              <a:t>Файлы</a:t>
+            </a:r>
+            <a:endParaRPr lang="ru-RU" dirty="0"/>
+          </a:p>
+        </p:txBody>
+      </p:sp>
+      <p:sp>
+        <p:nvSpPr>
+          <p:cNvPr id="16" name="TextBox 15"/>
+          <p:cNvSpPr txBox="1"/>
+          <p:nvPr/>
+        </p:nvSpPr>
+        <p:spPr>
+          <a:xfrm>
+            <a:off x="3707904" y="3861048"/>
+            <a:ext cx="851515" cy="369332"/>
+          </a:xfrm>
+          <a:prstGeom prst="rect">
+            <a:avLst/>
+          </a:prstGeom>
+          <a:noFill/>
+          <a:ln>
+            <a:solidFill>
+              <a:schemeClr val="tx1"/>
+            </a:solidFill>
+          </a:ln>
+        </p:spPr>
+        <p:txBody>
+          <a:bodyPr wrap="none" rtlCol="0">
+            <a:spAutoFit/>
+          </a:bodyPr>
+          <a:lstStyle/>
+          <a:p>
+            <a:r>
+              <a:rPr lang="ru-RU" dirty="0" smtClean="0"/>
+              <a:t>Файлы</a:t>
+            </a:r>
+            <a:endParaRPr lang="ru-RU" dirty="0"/>
+          </a:p>
+        </p:txBody>
+      </p:sp>
+      <p:sp>
+        <p:nvSpPr>
+          <p:cNvPr id="17" name="TextBox 16"/>
+          <p:cNvSpPr txBox="1"/>
+          <p:nvPr/>
+        </p:nvSpPr>
+        <p:spPr>
+          <a:xfrm>
+            <a:off x="4860032" y="3861048"/>
+            <a:ext cx="851515" cy="369332"/>
+          </a:xfrm>
+          <a:prstGeom prst="rect">
+            <a:avLst/>
+          </a:prstGeom>
+          <a:noFill/>
+          <a:ln>
+            <a:solidFill>
+              <a:schemeClr val="tx1"/>
+            </a:solidFill>
+          </a:ln>
+        </p:spPr>
+        <p:txBody>
+          <a:bodyPr wrap="none" rtlCol="0">
+            <a:spAutoFit/>
+          </a:bodyPr>
+          <a:lstStyle/>
+          <a:p>
+            <a:r>
+              <a:rPr lang="ru-RU" dirty="0" smtClean="0"/>
+              <a:t>Файлы</a:t>
+            </a:r>
+            <a:endParaRPr lang="ru-RU" dirty="0"/>
+          </a:p>
+        </p:txBody>
+      </p:sp>
+      <p:sp>
+        <p:nvSpPr>
+          <p:cNvPr id="18" name="TextBox 17"/>
+          <p:cNvSpPr txBox="1"/>
+          <p:nvPr/>
+        </p:nvSpPr>
+        <p:spPr>
+          <a:xfrm>
+            <a:off x="5868144" y="3861048"/>
+            <a:ext cx="851515" cy="369332"/>
+          </a:xfrm>
+          <a:prstGeom prst="rect">
+            <a:avLst/>
+          </a:prstGeom>
+          <a:noFill/>
+          <a:ln>
+            <a:solidFill>
+              <a:schemeClr val="tx1"/>
+            </a:solidFill>
+          </a:ln>
+        </p:spPr>
+        <p:txBody>
+          <a:bodyPr wrap="none" rtlCol="0">
+            <a:spAutoFit/>
+          </a:bodyPr>
+          <a:lstStyle/>
+          <a:p>
+            <a:r>
+              <a:rPr lang="ru-RU" dirty="0" smtClean="0"/>
+              <a:t>Файлы</a:t>
+            </a:r>
+            <a:endParaRPr lang="ru-RU" dirty="0"/>
+          </a:p>
+        </p:txBody>
+      </p:sp>
+      <p:sp>
+        <p:nvSpPr>
+          <p:cNvPr id="19" name="TextBox 18"/>
+          <p:cNvSpPr txBox="1"/>
+          <p:nvPr/>
+        </p:nvSpPr>
+        <p:spPr>
+          <a:xfrm>
+            <a:off x="6876256" y="3861048"/>
+            <a:ext cx="851515" cy="369332"/>
+          </a:xfrm>
+          <a:prstGeom prst="rect">
+            <a:avLst/>
+          </a:prstGeom>
+          <a:noFill/>
+          <a:ln>
+            <a:solidFill>
+              <a:schemeClr val="tx1"/>
+            </a:solidFill>
+          </a:ln>
+        </p:spPr>
+        <p:txBody>
+          <a:bodyPr wrap="none" rtlCol="0">
+            <a:spAutoFit/>
+          </a:bodyPr>
+          <a:lstStyle/>
+          <a:p>
+            <a:r>
+              <a:rPr lang="ru-RU" dirty="0" smtClean="0"/>
+              <a:t>Файлы</a:t>
+            </a:r>
+            <a:endParaRPr lang="ru-RU" dirty="0"/>
+          </a:p>
+        </p:txBody>
+      </p:sp>
+      <p:sp>
+        <p:nvSpPr>
+          <p:cNvPr id="20" name="TextBox 19"/>
+          <p:cNvSpPr txBox="1"/>
+          <p:nvPr/>
+        </p:nvSpPr>
+        <p:spPr>
+          <a:xfrm>
+            <a:off x="7884368" y="3861048"/>
+            <a:ext cx="851515" cy="369332"/>
+          </a:xfrm>
+          <a:prstGeom prst="rect">
+            <a:avLst/>
+          </a:prstGeom>
+          <a:noFill/>
+          <a:ln>
+            <a:solidFill>
+              <a:schemeClr val="tx1"/>
+            </a:solidFill>
+          </a:ln>
+        </p:spPr>
+        <p:txBody>
+          <a:bodyPr wrap="none" rtlCol="0">
+            <a:spAutoFit/>
+          </a:bodyPr>
+          <a:lstStyle/>
+          <a:p>
+            <a:r>
+              <a:rPr lang="ru-RU" dirty="0" smtClean="0"/>
+              <a:t>Файлы</a:t>
+            </a:r>
+            <a:endParaRPr lang="ru-RU" dirty="0"/>
+          </a:p>
+        </p:txBody>
+      </p:sp>
+      <p:sp>
+        <p:nvSpPr>
+          <p:cNvPr id="21" name="TextBox 20"/>
+          <p:cNvSpPr txBox="1"/>
+          <p:nvPr/>
+        </p:nvSpPr>
+        <p:spPr>
+          <a:xfrm>
+            <a:off x="251520" y="4437112"/>
+            <a:ext cx="885563" cy="369332"/>
+          </a:xfrm>
+          <a:prstGeom prst="rect">
+            <a:avLst/>
+          </a:prstGeom>
+          <a:noFill/>
+          <a:ln>
+            <a:solidFill>
+              <a:schemeClr val="tx1"/>
+            </a:solidFill>
+          </a:ln>
+        </p:spPr>
+        <p:txBody>
+          <a:bodyPr wrap="none" rtlCol="0">
+            <a:spAutoFit/>
+          </a:bodyPr>
+          <a:lstStyle/>
+          <a:p>
+            <a:r>
+              <a:rPr lang="ru-RU" dirty="0" smtClean="0"/>
+              <a:t>Классы</a:t>
+            </a:r>
+            <a:endParaRPr lang="ru-RU" dirty="0"/>
+          </a:p>
+        </p:txBody>
+      </p:sp>
+      <p:sp>
+        <p:nvSpPr>
+          <p:cNvPr id="22" name="TextBox 21"/>
+          <p:cNvSpPr txBox="1"/>
+          <p:nvPr/>
+        </p:nvSpPr>
+        <p:spPr>
+          <a:xfrm>
+            <a:off x="1403648" y="4437112"/>
+            <a:ext cx="885563" cy="369332"/>
+          </a:xfrm>
+          <a:prstGeom prst="rect">
+            <a:avLst/>
+          </a:prstGeom>
+          <a:noFill/>
+          <a:ln>
+            <a:solidFill>
+              <a:schemeClr val="tx1"/>
+            </a:solidFill>
+          </a:ln>
+        </p:spPr>
+        <p:txBody>
+          <a:bodyPr wrap="none" rtlCol="0">
+            <a:spAutoFit/>
+          </a:bodyPr>
+          <a:lstStyle/>
+          <a:p>
+            <a:r>
+              <a:rPr lang="ru-RU" dirty="0" smtClean="0"/>
+              <a:t>Классы</a:t>
+            </a:r>
+            <a:endParaRPr lang="ru-RU" dirty="0"/>
+          </a:p>
+        </p:txBody>
+      </p:sp>
+      <p:sp>
+        <p:nvSpPr>
+          <p:cNvPr id="23" name="TextBox 22"/>
+          <p:cNvSpPr txBox="1"/>
+          <p:nvPr/>
+        </p:nvSpPr>
+        <p:spPr>
+          <a:xfrm>
+            <a:off x="2555776" y="4437112"/>
+            <a:ext cx="885563" cy="369332"/>
+          </a:xfrm>
+          <a:prstGeom prst="rect">
+            <a:avLst/>
+          </a:prstGeom>
+          <a:noFill/>
+          <a:ln>
+            <a:solidFill>
+              <a:schemeClr val="tx1"/>
+            </a:solidFill>
+          </a:ln>
+        </p:spPr>
+        <p:txBody>
+          <a:bodyPr wrap="none" rtlCol="0">
+            <a:spAutoFit/>
+          </a:bodyPr>
+          <a:lstStyle/>
+          <a:p>
+            <a:r>
+              <a:rPr lang="ru-RU" dirty="0" smtClean="0"/>
+              <a:t>Классы</a:t>
+            </a:r>
+            <a:endParaRPr lang="ru-RU" dirty="0"/>
+          </a:p>
+        </p:txBody>
+      </p:sp>
+      <p:sp>
+        <p:nvSpPr>
+          <p:cNvPr id="24" name="TextBox 23"/>
+          <p:cNvSpPr txBox="1"/>
+          <p:nvPr/>
+        </p:nvSpPr>
+        <p:spPr>
+          <a:xfrm>
+            <a:off x="3635896" y="4437112"/>
+            <a:ext cx="885563" cy="369332"/>
+          </a:xfrm>
+          <a:prstGeom prst="rect">
+            <a:avLst/>
+          </a:prstGeom>
+          <a:noFill/>
+          <a:ln>
+            <a:solidFill>
+              <a:schemeClr val="tx1"/>
+            </a:solidFill>
+          </a:ln>
+        </p:spPr>
+        <p:txBody>
+          <a:bodyPr wrap="none" rtlCol="0">
+            <a:spAutoFit/>
+          </a:bodyPr>
+          <a:lstStyle/>
+          <a:p>
+            <a:r>
+              <a:rPr lang="ru-RU" dirty="0" smtClean="0"/>
+              <a:t>Классы</a:t>
+            </a:r>
+            <a:endParaRPr lang="ru-RU" dirty="0"/>
+          </a:p>
+        </p:txBody>
+      </p:sp>
+      <p:sp>
+        <p:nvSpPr>
+          <p:cNvPr id="25" name="TextBox 24"/>
+          <p:cNvSpPr txBox="1"/>
+          <p:nvPr/>
+        </p:nvSpPr>
+        <p:spPr>
+          <a:xfrm>
+            <a:off x="4860032" y="4437112"/>
+            <a:ext cx="885563" cy="369332"/>
+          </a:xfrm>
+          <a:prstGeom prst="rect">
+            <a:avLst/>
+          </a:prstGeom>
+          <a:noFill/>
+          <a:ln>
+            <a:solidFill>
+              <a:schemeClr val="tx1"/>
+            </a:solidFill>
+          </a:ln>
+        </p:spPr>
+        <p:txBody>
+          <a:bodyPr wrap="none" rtlCol="0">
+            <a:spAutoFit/>
+          </a:bodyPr>
+          <a:lstStyle/>
+          <a:p>
+            <a:r>
+              <a:rPr lang="ru-RU" dirty="0" smtClean="0"/>
+              <a:t>Классы</a:t>
+            </a:r>
+            <a:endParaRPr lang="ru-RU" dirty="0"/>
+          </a:p>
+        </p:txBody>
+      </p:sp>
+      <p:sp>
+        <p:nvSpPr>
+          <p:cNvPr id="26" name="TextBox 25"/>
+          <p:cNvSpPr txBox="1"/>
+          <p:nvPr/>
+        </p:nvSpPr>
+        <p:spPr>
+          <a:xfrm>
+            <a:off x="5940152" y="4437112"/>
+            <a:ext cx="885563" cy="369332"/>
+          </a:xfrm>
+          <a:prstGeom prst="rect">
+            <a:avLst/>
+          </a:prstGeom>
+          <a:noFill/>
+          <a:ln>
+            <a:solidFill>
+              <a:schemeClr val="tx1"/>
+            </a:solidFill>
+          </a:ln>
+        </p:spPr>
+        <p:txBody>
+          <a:bodyPr wrap="none" rtlCol="0">
+            <a:spAutoFit/>
+          </a:bodyPr>
+          <a:lstStyle/>
+          <a:p>
+            <a:r>
+              <a:rPr lang="ru-RU" dirty="0" smtClean="0"/>
+              <a:t>Классы</a:t>
+            </a:r>
+            <a:endParaRPr lang="ru-RU" dirty="0"/>
+          </a:p>
+        </p:txBody>
+      </p:sp>
+      <p:sp>
+        <p:nvSpPr>
+          <p:cNvPr id="27" name="TextBox 26"/>
+          <p:cNvSpPr txBox="1"/>
+          <p:nvPr/>
+        </p:nvSpPr>
+        <p:spPr>
+          <a:xfrm>
+            <a:off x="6948264" y="4437112"/>
+            <a:ext cx="885563" cy="369332"/>
+          </a:xfrm>
+          <a:prstGeom prst="rect">
+            <a:avLst/>
+          </a:prstGeom>
+          <a:noFill/>
+          <a:ln>
+            <a:solidFill>
+              <a:schemeClr val="tx1"/>
+            </a:solidFill>
+          </a:ln>
+        </p:spPr>
+        <p:txBody>
+          <a:bodyPr wrap="none" rtlCol="0">
+            <a:spAutoFit/>
+          </a:bodyPr>
+          <a:lstStyle/>
+          <a:p>
+            <a:r>
+              <a:rPr lang="ru-RU" dirty="0" smtClean="0"/>
+              <a:t>Классы</a:t>
+            </a:r>
+            <a:endParaRPr lang="ru-RU" dirty="0"/>
+          </a:p>
+        </p:txBody>
+      </p:sp>
+      <p:sp>
+        <p:nvSpPr>
+          <p:cNvPr id="28" name="TextBox 27"/>
+          <p:cNvSpPr txBox="1"/>
+          <p:nvPr/>
+        </p:nvSpPr>
+        <p:spPr>
+          <a:xfrm>
+            <a:off x="7956376" y="4437112"/>
+            <a:ext cx="885563" cy="369332"/>
+          </a:xfrm>
+          <a:prstGeom prst="rect">
+            <a:avLst/>
+          </a:prstGeom>
+          <a:noFill/>
+          <a:ln>
+            <a:solidFill>
+              <a:schemeClr val="tx1"/>
+            </a:solidFill>
+          </a:ln>
+        </p:spPr>
+        <p:txBody>
+          <a:bodyPr wrap="none" rtlCol="0">
+            <a:spAutoFit/>
+          </a:bodyPr>
+          <a:lstStyle/>
+          <a:p>
+            <a:r>
+              <a:rPr lang="ru-RU" dirty="0" smtClean="0"/>
+              <a:t>Классы</a:t>
+            </a:r>
+            <a:endParaRPr lang="ru-RU" dirty="0"/>
+          </a:p>
+        </p:txBody>
+      </p:sp>
+      <p:sp>
+        <p:nvSpPr>
+          <p:cNvPr id="29" name="TextBox 28"/>
+          <p:cNvSpPr txBox="1"/>
+          <p:nvPr/>
+        </p:nvSpPr>
+        <p:spPr>
+          <a:xfrm>
+            <a:off x="179512" y="5157192"/>
+            <a:ext cx="1055097" cy="369332"/>
+          </a:xfrm>
+          <a:prstGeom prst="rect">
+            <a:avLst/>
+          </a:prstGeom>
+          <a:noFill/>
+          <a:ln>
+            <a:solidFill>
+              <a:schemeClr val="tx1"/>
+            </a:solidFill>
+          </a:ln>
+        </p:spPr>
+        <p:txBody>
+          <a:bodyPr wrap="none" rtlCol="0">
+            <a:spAutoFit/>
+          </a:bodyPr>
+          <a:lstStyle/>
+          <a:p>
+            <a:r>
+              <a:rPr lang="ru-RU" dirty="0" smtClean="0"/>
+              <a:t>Функции</a:t>
+            </a:r>
+          </a:p>
+        </p:txBody>
+      </p:sp>
+      <p:sp>
+        <p:nvSpPr>
+          <p:cNvPr id="30" name="TextBox 29"/>
+          <p:cNvSpPr txBox="1"/>
+          <p:nvPr/>
+        </p:nvSpPr>
+        <p:spPr>
+          <a:xfrm>
+            <a:off x="1331640" y="5157192"/>
+            <a:ext cx="1055097" cy="369332"/>
+          </a:xfrm>
+          <a:prstGeom prst="rect">
+            <a:avLst/>
+          </a:prstGeom>
+          <a:noFill/>
+          <a:ln>
+            <a:solidFill>
+              <a:schemeClr val="tx1"/>
+            </a:solidFill>
+          </a:ln>
+        </p:spPr>
+        <p:txBody>
+          <a:bodyPr wrap="none" rtlCol="0">
+            <a:spAutoFit/>
+          </a:bodyPr>
+          <a:lstStyle/>
+          <a:p>
+            <a:r>
+              <a:rPr lang="ru-RU" dirty="0" smtClean="0"/>
+              <a:t>Функции</a:t>
+            </a:r>
+          </a:p>
+        </p:txBody>
+      </p:sp>
+      <p:sp>
+        <p:nvSpPr>
+          <p:cNvPr id="31" name="TextBox 30"/>
+          <p:cNvSpPr txBox="1"/>
+          <p:nvPr/>
+        </p:nvSpPr>
+        <p:spPr>
+          <a:xfrm>
+            <a:off x="2555776" y="5157192"/>
+            <a:ext cx="1055097" cy="369332"/>
+          </a:xfrm>
+          <a:prstGeom prst="rect">
+            <a:avLst/>
+          </a:prstGeom>
+          <a:noFill/>
+          <a:ln>
+            <a:solidFill>
+              <a:schemeClr val="tx1"/>
+            </a:solidFill>
+          </a:ln>
+        </p:spPr>
+        <p:txBody>
+          <a:bodyPr wrap="none" rtlCol="0">
+            <a:spAutoFit/>
+          </a:bodyPr>
+          <a:lstStyle/>
+          <a:p>
+            <a:r>
+              <a:rPr lang="ru-RU" dirty="0" smtClean="0"/>
+              <a:t>Функции</a:t>
+            </a:r>
+          </a:p>
+        </p:txBody>
+      </p:sp>
+      <p:sp>
+        <p:nvSpPr>
+          <p:cNvPr id="32" name="TextBox 31"/>
+          <p:cNvSpPr txBox="1"/>
+          <p:nvPr/>
+        </p:nvSpPr>
+        <p:spPr>
+          <a:xfrm>
+            <a:off x="3635896" y="5157192"/>
+            <a:ext cx="1055097" cy="369332"/>
+          </a:xfrm>
+          <a:prstGeom prst="rect">
+            <a:avLst/>
+          </a:prstGeom>
+          <a:noFill/>
+          <a:ln>
+            <a:solidFill>
+              <a:schemeClr val="tx1"/>
+            </a:solidFill>
+          </a:ln>
+        </p:spPr>
+        <p:txBody>
+          <a:bodyPr wrap="none" rtlCol="0">
+            <a:spAutoFit/>
+          </a:bodyPr>
+          <a:lstStyle/>
+          <a:p>
+            <a:r>
+              <a:rPr lang="ru-RU" dirty="0" smtClean="0"/>
+              <a:t>Функции</a:t>
+            </a:r>
+          </a:p>
+        </p:txBody>
+      </p:sp>
+      <p:sp>
+        <p:nvSpPr>
+          <p:cNvPr id="33" name="TextBox 32"/>
+          <p:cNvSpPr txBox="1"/>
+          <p:nvPr/>
+        </p:nvSpPr>
+        <p:spPr>
+          <a:xfrm>
+            <a:off x="4788024" y="5157192"/>
+            <a:ext cx="1055097" cy="369332"/>
+          </a:xfrm>
+          <a:prstGeom prst="rect">
+            <a:avLst/>
+          </a:prstGeom>
+          <a:noFill/>
+          <a:ln>
+            <a:solidFill>
+              <a:schemeClr val="tx1"/>
+            </a:solidFill>
+          </a:ln>
+        </p:spPr>
+        <p:txBody>
+          <a:bodyPr wrap="none" rtlCol="0">
+            <a:spAutoFit/>
+          </a:bodyPr>
+          <a:lstStyle/>
+          <a:p>
+            <a:r>
+              <a:rPr lang="ru-RU" dirty="0" smtClean="0"/>
+              <a:t>Функции</a:t>
+            </a:r>
+          </a:p>
+        </p:txBody>
+      </p:sp>
+      <p:sp>
+        <p:nvSpPr>
+          <p:cNvPr id="34" name="TextBox 33"/>
+          <p:cNvSpPr txBox="1"/>
+          <p:nvPr/>
+        </p:nvSpPr>
+        <p:spPr>
+          <a:xfrm>
+            <a:off x="5868144" y="5157192"/>
+            <a:ext cx="1055097" cy="369332"/>
+          </a:xfrm>
+          <a:prstGeom prst="rect">
+            <a:avLst/>
+          </a:prstGeom>
+          <a:noFill/>
+          <a:ln>
+            <a:solidFill>
+              <a:schemeClr val="tx1"/>
+            </a:solidFill>
+          </a:ln>
+        </p:spPr>
+        <p:txBody>
+          <a:bodyPr wrap="none" rtlCol="0">
+            <a:spAutoFit/>
+          </a:bodyPr>
+          <a:lstStyle/>
+          <a:p>
+            <a:r>
+              <a:rPr lang="ru-RU" dirty="0" smtClean="0"/>
+              <a:t>Функции</a:t>
+            </a:r>
+          </a:p>
+        </p:txBody>
+      </p:sp>
+      <p:sp>
+        <p:nvSpPr>
+          <p:cNvPr id="35" name="TextBox 34"/>
+          <p:cNvSpPr txBox="1"/>
+          <p:nvPr/>
+        </p:nvSpPr>
+        <p:spPr>
+          <a:xfrm>
+            <a:off x="6948264" y="5157192"/>
+            <a:ext cx="1055097" cy="369332"/>
+          </a:xfrm>
+          <a:prstGeom prst="rect">
+            <a:avLst/>
+          </a:prstGeom>
+          <a:noFill/>
+          <a:ln>
+            <a:solidFill>
+              <a:schemeClr val="tx1"/>
+            </a:solidFill>
+          </a:ln>
+        </p:spPr>
+        <p:txBody>
+          <a:bodyPr wrap="none" rtlCol="0">
+            <a:spAutoFit/>
+          </a:bodyPr>
+          <a:lstStyle/>
+          <a:p>
+            <a:r>
+              <a:rPr lang="ru-RU" dirty="0" smtClean="0"/>
+              <a:t>Функции</a:t>
+            </a:r>
+          </a:p>
+        </p:txBody>
+      </p:sp>
+      <p:sp>
+        <p:nvSpPr>
+          <p:cNvPr id="36" name="TextBox 35"/>
+          <p:cNvSpPr txBox="1"/>
+          <p:nvPr/>
+        </p:nvSpPr>
+        <p:spPr>
+          <a:xfrm>
+            <a:off x="7956376" y="5157192"/>
+            <a:ext cx="1055097" cy="369332"/>
+          </a:xfrm>
+          <a:prstGeom prst="rect">
+            <a:avLst/>
+          </a:prstGeom>
+          <a:noFill/>
+          <a:ln>
+            <a:solidFill>
+              <a:schemeClr val="tx1"/>
+            </a:solidFill>
+          </a:ln>
+        </p:spPr>
+        <p:txBody>
+          <a:bodyPr wrap="none" rtlCol="0">
+            <a:spAutoFit/>
+          </a:bodyPr>
+          <a:lstStyle/>
+          <a:p>
+            <a:r>
+              <a:rPr lang="ru-RU" dirty="0" smtClean="0"/>
+              <a:t>Функции</a:t>
+            </a:r>
+          </a:p>
+        </p:txBody>
+      </p:sp>
+    </p:spTree>
+  </p:cSld>
+  <p:clrMapOvr>
+    <a:masterClrMapping/>
+  </p:clrMapOvr>
+</p:sld>
+</file>
+
+<file path=ppt/slides/slide3.xml><?xml version="1.0" encoding="utf-8"?>
+<p:sld xmlns:a="http://schemas.openxmlformats.org/drawingml/2006/main" xmlns:r="http://schemas.openxmlformats.org/officeDocument/2006/relationships" xmlns:p="http://schemas.openxmlformats.org/presentationml/2006/main">
+  <p:cSld>
+    <p:spTree>
+      <p:nvGrpSpPr>
+        <p:cNvPr id="1" name=""/>
+        <p:cNvGrpSpPr/>
+        <p:nvPr/>
+      </p:nvGrpSpPr>
+      <p:grpSpPr>
+        <a:xfrm>
+          <a:off x="0" y="0"/>
+          <a:ext cx="0" cy="0"/>
+          <a:chOff x="0" y="0"/>
+          <a:chExt cx="0" cy="0"/>
+        </a:xfrm>
+      </p:grpSpPr>
+      <p:sp>
+        <p:nvSpPr>
+          <p:cNvPr id="2" name="Заголовок 1"/>
+          <p:cNvSpPr>
+            <a:spLocks noGrp="1"/>
+          </p:cNvSpPr>
+          <p:nvPr>
+            <p:ph type="title"/>
+          </p:nvPr>
+        </p:nvSpPr>
+        <p:spPr/>
+        <p:txBody>
+          <a:bodyPr/>
+          <a:lstStyle/>
+          <a:p>
+            <a:r>
+              <a:rPr lang="ru-RU" dirty="0" smtClean="0"/>
+              <a:t>Пространство имен</a:t>
+            </a:r>
+            <a:endParaRPr lang="ru-RU" dirty="0"/>
+          </a:p>
+        </p:txBody>
+      </p:sp>
+      <p:sp>
+        <p:nvSpPr>
+          <p:cNvPr id="3" name="Содержимое 2"/>
+          <p:cNvSpPr>
+            <a:spLocks noGrp="1"/>
+          </p:cNvSpPr>
+          <p:nvPr>
+            <p:ph idx="1"/>
+          </p:nvPr>
+        </p:nvSpPr>
+        <p:spPr/>
+        <p:txBody>
+          <a:bodyPr/>
+          <a:lstStyle/>
+          <a:p>
+            <a:r>
+              <a:rPr lang="ru-RU" dirty="0" smtClean="0"/>
+              <a:t>Пространство имен — это декларативная область, в рамках которой определяются различные идентификаторы.</a:t>
+            </a:r>
+          </a:p>
+          <a:p>
+            <a:r>
+              <a:rPr lang="en-US" dirty="0" smtClean="0"/>
+              <a:t>namespace NAME {</a:t>
+            </a:r>
+            <a:r>
+              <a:rPr lang="ru-RU" dirty="0" smtClean="0"/>
+              <a:t>…</a:t>
+            </a:r>
+            <a:r>
+              <a:rPr lang="en-US" dirty="0" smtClean="0"/>
+              <a:t>}; – </a:t>
+            </a:r>
+            <a:r>
+              <a:rPr lang="ru-RU" dirty="0" smtClean="0"/>
+              <a:t>объявление</a:t>
+            </a:r>
+            <a:endParaRPr lang="en-US" dirty="0" smtClean="0"/>
+          </a:p>
+          <a:p>
+            <a:r>
+              <a:rPr lang="en-US" dirty="0" smtClean="0"/>
+              <a:t>using NAME::Object;</a:t>
+            </a:r>
+            <a:r>
+              <a:rPr lang="ru-RU" dirty="0" smtClean="0"/>
+              <a:t> </a:t>
+            </a:r>
+            <a:r>
+              <a:rPr lang="en-US" dirty="0" smtClean="0"/>
+              <a:t>–</a:t>
+            </a:r>
+            <a:r>
+              <a:rPr lang="ru-RU" dirty="0" smtClean="0"/>
+              <a:t> доступ к 1 идентификатору.</a:t>
+            </a:r>
+          </a:p>
+          <a:p>
+            <a:r>
+              <a:rPr lang="en-US" dirty="0" smtClean="0"/>
+              <a:t>using namespace NAME;</a:t>
+            </a:r>
+            <a:r>
+              <a:rPr lang="ru-RU" dirty="0" smtClean="0"/>
+              <a:t> </a:t>
+            </a:r>
+            <a:r>
+              <a:rPr lang="en-US" dirty="0" smtClean="0"/>
+              <a:t>–</a:t>
+            </a:r>
+            <a:r>
+              <a:rPr lang="ru-RU" dirty="0" smtClean="0"/>
+              <a:t> подключение пространства имен.</a:t>
+            </a:r>
+            <a:endParaRPr lang="ru-RU" dirty="0"/>
+          </a:p>
+        </p:txBody>
+      </p:sp>
+    </p:spTree>
+  </p:cSld>
+  <p:clrMapOvr>
+    <a:masterClrMapping/>
+  </p:clrMapOvr>
+</p:sld>
+</file>
+
+<file path=ppt/slides/slide4.xml><?xml version="1.0" encoding="utf-8"?>
+<p:sld xmlns:a="http://schemas.openxmlformats.org/drawingml/2006/main" xmlns:r="http://schemas.openxmlformats.org/officeDocument/2006/relationships" xmlns:p="http://schemas.openxmlformats.org/presentationml/2006/main">
+  <p:cSld>
+    <p:spTree>
+      <p:nvGrpSpPr>
+        <p:cNvPr id="1" name=""/>
+        <p:cNvGrpSpPr/>
+        <p:nvPr/>
+      </p:nvGrpSpPr>
+      <p:grpSpPr>
+        <a:xfrm>
+          <a:off x="0" y="0"/>
+          <a:ext cx="0" cy="0"/>
+          <a:chOff x="0" y="0"/>
+          <a:chExt cx="0" cy="0"/>
+        </a:xfrm>
+      </p:grpSpPr>
+      <p:sp>
+        <p:nvSpPr>
+          <p:cNvPr id="2" name="Заголовок 1"/>
+          <p:cNvSpPr>
+            <a:spLocks noGrp="1"/>
+          </p:cNvSpPr>
+          <p:nvPr>
+            <p:ph type="title"/>
+          </p:nvPr>
+        </p:nvSpPr>
+        <p:spPr/>
+        <p:txBody>
+          <a:bodyPr/>
+          <a:lstStyle/>
+          <a:p>
+            <a:r>
+              <a:rPr lang="ru-RU" dirty="0" smtClean="0"/>
+              <a:t>Класс</a:t>
+            </a:r>
+            <a:endParaRPr lang="ru-RU" dirty="0"/>
+          </a:p>
+        </p:txBody>
+      </p:sp>
+      <p:sp>
+        <p:nvSpPr>
+          <p:cNvPr id="3" name="Содержимое 2"/>
+          <p:cNvSpPr>
+            <a:spLocks noGrp="1"/>
+          </p:cNvSpPr>
+          <p:nvPr>
+            <p:ph idx="1"/>
+          </p:nvPr>
+        </p:nvSpPr>
+        <p:spPr/>
+        <p:txBody>
+          <a:bodyPr/>
+          <a:lstStyle/>
+          <a:p>
+            <a:r>
+              <a:rPr lang="ru-RU" dirty="0" smtClean="0"/>
+              <a:t>Класс — в объектно-ориентированном программировании, представляет собой шаблон для создания объектов, обеспечивающий начальные значения состояний: инициализация полей-переменных и реализация поведения функций или методов.</a:t>
+            </a:r>
+            <a:endParaRPr lang="ru-RU" dirty="0"/>
+          </a:p>
+        </p:txBody>
+      </p:sp>
+    </p:spTree>
+  </p:cSld>
+  <p:clrMapOvr>
+    <a:masterClrMapping/>
+  </p:clrMapOvr>
+</p:sld>
+</file>
+
+<file path=ppt/slides/slide5.xml><?xml version="1.0" encoding="utf-8"?>
+<p:sld xmlns:a="http://schemas.openxmlformats.org/drawingml/2006/main" xmlns:r="http://schemas.openxmlformats.org/officeDocument/2006/relationships" xmlns:p="http://schemas.openxmlformats.org/presentationml/2006/main">
+  <p:cSld>
+    <p:spTree>
+      <p:nvGrpSpPr>
+        <p:cNvPr id="1" name=""/>
+        <p:cNvGrpSpPr/>
+        <p:nvPr/>
+      </p:nvGrpSpPr>
+      <p:grpSpPr>
+        <a:xfrm>
+          <a:off x="0" y="0"/>
+          <a:ext cx="0" cy="0"/>
+          <a:chOff x="0" y="0"/>
+          <a:chExt cx="0" cy="0"/>
+        </a:xfrm>
+      </p:grpSpPr>
+      <p:sp>
+        <p:nvSpPr>
+          <p:cNvPr id="2" name="Заголовок 1"/>
+          <p:cNvSpPr>
+            <a:spLocks noGrp="1"/>
+          </p:cNvSpPr>
+          <p:nvPr>
+            <p:ph type="title"/>
+          </p:nvPr>
+        </p:nvSpPr>
+        <p:spPr/>
+        <p:txBody>
+          <a:bodyPr/>
+          <a:lstStyle/>
+          <a:p>
+            <a:r>
+              <a:rPr lang="ru-RU" dirty="0" smtClean="0"/>
+              <a:t>Принципы ООП</a:t>
+            </a:r>
+            <a:endParaRPr lang="ru-RU" dirty="0"/>
+          </a:p>
+        </p:txBody>
+      </p:sp>
+      <p:sp>
+        <p:nvSpPr>
+          <p:cNvPr id="3" name="Содержимое 2"/>
+          <p:cNvSpPr>
+            <a:spLocks noGrp="1"/>
+          </p:cNvSpPr>
+          <p:nvPr>
+            <p:ph idx="1"/>
+          </p:nvPr>
+        </p:nvSpPr>
+        <p:spPr/>
+        <p:txBody>
+          <a:bodyPr>
+            <a:noAutofit/>
+          </a:bodyPr>
+          <a:lstStyle/>
+          <a:p>
+            <a:r>
+              <a:rPr lang="ru-RU" sz="2100" dirty="0" smtClean="0"/>
+              <a:t>абстракция для выделения в моделируемом предмете важного для решения конкретной задачи по предмету, в конечном счёте — контекстное понимание предмета, формализуемое в виде класса;</a:t>
+            </a:r>
+          </a:p>
+          <a:p>
+            <a:r>
+              <a:rPr lang="ru-RU" sz="2100" dirty="0" smtClean="0"/>
+              <a:t>инкапсуляция для быстрой и безопасной организации собственно иерархической управляемости: чтобы было достаточно простой команды «что делать», без одновременного уточнения как именно делать, так как это уже другой уровень управления;</a:t>
+            </a:r>
+          </a:p>
+          <a:p>
+            <a:r>
+              <a:rPr lang="ru-RU" sz="2100" dirty="0" smtClean="0"/>
+              <a:t>наследование для быстрой и безопасной организации родственных понятий: чтобы было достаточно на каждом иерархическом шаге учитывать только изменения, не дублируя всё остальное, учтённое на предыдущих шагах;</a:t>
+            </a:r>
+          </a:p>
+          <a:p>
+            <a:r>
+              <a:rPr lang="ru-RU" sz="2100" dirty="0" smtClean="0"/>
+              <a:t>полиморфизм для определения точки, в которой единое управление лучше распараллелить или наоборот — собрать воедино.</a:t>
+            </a:r>
+            <a:endParaRPr lang="ru-RU" sz="2100" dirty="0"/>
+          </a:p>
+        </p:txBody>
+      </p:sp>
+    </p:spTree>
+  </p:cSld>
+  <p:clrMapOvr>
+    <a:masterClrMapping/>
+  </p:clrMapOvr>
+  <p:timing>
+    <p:tnLst>
+      <p:par>
+        <p:cTn id="1" dur="indefinite" restart="never" nodeType="tmRoot"/>
+      </p:par>
+    </p:tnLst>
+  </p:timing>
+</p:sld>
+</file>
+
+<file path=ppt/slides/slide6.xml><?xml version="1.0" encoding="utf-8"?>
+<p:sld xmlns:a="http://schemas.openxmlformats.org/drawingml/2006/main" xmlns:r="http://schemas.openxmlformats.org/officeDocument/2006/relationships" xmlns:p="http://schemas.openxmlformats.org/presentationml/2006/main">
+  <p:cSld>
+    <p:spTree>
+      <p:nvGrpSpPr>
+        <p:cNvPr id="1" name=""/>
+        <p:cNvGrpSpPr/>
+        <p:nvPr/>
+      </p:nvGrpSpPr>
+      <p:grpSpPr>
+        <a:xfrm>
+          <a:off x="0" y="0"/>
+          <a:ext cx="0" cy="0"/>
+          <a:chOff x="0" y="0"/>
+          <a:chExt cx="0" cy="0"/>
+        </a:xfrm>
+      </p:grpSpPr>
+      <p:sp>
+        <p:nvSpPr>
+          <p:cNvPr id="2" name="Заголовок 1"/>
+          <p:cNvSpPr>
+            <a:spLocks noGrp="1"/>
+          </p:cNvSpPr>
+          <p:nvPr>
+            <p:ph type="title"/>
+          </p:nvPr>
+        </p:nvSpPr>
+        <p:spPr/>
+        <p:txBody>
+          <a:bodyPr/>
+          <a:lstStyle/>
+          <a:p>
+            <a:r>
+              <a:rPr lang="ru-RU" dirty="0" smtClean="0"/>
+              <a:t>Объявление</a:t>
+            </a:r>
+            <a:endParaRPr lang="ru-RU" dirty="0"/>
+          </a:p>
+        </p:txBody>
+      </p:sp>
+      <p:sp>
+        <p:nvSpPr>
+          <p:cNvPr id="3" name="Содержимое 2"/>
+          <p:cNvSpPr>
+            <a:spLocks noGrp="1"/>
+          </p:cNvSpPr>
+          <p:nvPr>
+            <p:ph idx="1"/>
+          </p:nvPr>
+        </p:nvSpPr>
+        <p:spPr/>
+        <p:txBody>
+          <a:bodyPr>
+            <a:normAutofit fontScale="77500" lnSpcReduction="20000"/>
+          </a:bodyPr>
+          <a:lstStyle/>
+          <a:p>
+            <a:pPr fontAlgn="base"/>
+            <a:r>
+              <a:rPr lang="ru-RU" dirty="0"/>
+              <a:t>// объявление классов в С++</a:t>
+            </a:r>
+          </a:p>
+          <a:p>
+            <a:pPr fontAlgn="base"/>
+            <a:r>
+              <a:rPr lang="ru-RU" dirty="0" err="1"/>
+              <a:t>class</a:t>
+            </a:r>
+            <a:r>
+              <a:rPr lang="ru-RU" dirty="0"/>
+              <a:t> /*имя класса*/</a:t>
+            </a:r>
+          </a:p>
+          <a:p>
+            <a:pPr fontAlgn="base"/>
+            <a:r>
+              <a:rPr lang="ru-RU" dirty="0"/>
+              <a:t>{</a:t>
+            </a:r>
+          </a:p>
+          <a:p>
+            <a:pPr fontAlgn="base"/>
+            <a:r>
+              <a:rPr lang="ru-RU" dirty="0"/>
+              <a:t>  </a:t>
+            </a:r>
+            <a:r>
+              <a:rPr lang="ru-RU" dirty="0" err="1"/>
+              <a:t>private</a:t>
+            </a:r>
+            <a:r>
+              <a:rPr lang="ru-RU" dirty="0"/>
+              <a:t>:</a:t>
+            </a:r>
+          </a:p>
+          <a:p>
+            <a:pPr fontAlgn="base"/>
+            <a:r>
+              <a:rPr lang="ru-RU" dirty="0"/>
+              <a:t>  /* список свойств и методов для использования внутри класса */</a:t>
+            </a:r>
+          </a:p>
+          <a:p>
+            <a:pPr fontAlgn="base"/>
+            <a:r>
+              <a:rPr lang="ru-RU" dirty="0"/>
+              <a:t>  </a:t>
+            </a:r>
+            <a:r>
+              <a:rPr lang="ru-RU" dirty="0" err="1"/>
+              <a:t>public</a:t>
+            </a:r>
+            <a:r>
+              <a:rPr lang="ru-RU" dirty="0"/>
+              <a:t>:</a:t>
+            </a:r>
+          </a:p>
+          <a:p>
+            <a:pPr fontAlgn="base"/>
+            <a:r>
+              <a:rPr lang="ru-RU" dirty="0"/>
+              <a:t>  /* список методов доступных другим функциям и объектам программы */</a:t>
+            </a:r>
+          </a:p>
+          <a:p>
+            <a:pPr fontAlgn="base"/>
+            <a:r>
+              <a:rPr lang="ru-RU" dirty="0"/>
+              <a:t>  </a:t>
+            </a:r>
+            <a:r>
+              <a:rPr lang="ru-RU" dirty="0" err="1"/>
+              <a:t>protected</a:t>
+            </a:r>
+            <a:r>
+              <a:rPr lang="ru-RU" dirty="0"/>
+              <a:t>:</a:t>
+            </a:r>
+          </a:p>
+          <a:p>
+            <a:pPr fontAlgn="base"/>
+            <a:r>
+              <a:rPr lang="ru-RU" dirty="0"/>
+              <a:t>  /*список средств, доступных при наследовании*/</a:t>
+            </a:r>
+          </a:p>
+          <a:p>
+            <a:pPr fontAlgn="base"/>
+            <a:r>
+              <a:rPr lang="ru-RU" dirty="0"/>
+              <a:t>};</a:t>
+            </a:r>
+          </a:p>
+          <a:p>
+            <a:endParaRPr lang="ru-RU" dirty="0"/>
+          </a:p>
+        </p:txBody>
+      </p:sp>
+    </p:spTree>
+  </p:cSld>
+  <p:clrMapOvr>
+    <a:masterClrMapping/>
+  </p:clrMapOvr>
+</p:sld>
+</file>
+
+<file path=ppt/slides/slide7.xml><?xml version="1.0" encoding="utf-8"?>
+<p:sld xmlns:a="http://schemas.openxmlformats.org/drawingml/2006/main" xmlns:r="http://schemas.openxmlformats.org/officeDocument/2006/relationships" xmlns:p="http://schemas.openxmlformats.org/presentationml/2006/main">
+  <p:cSld>
+    <p:spTree>
+      <p:nvGrpSpPr>
+        <p:cNvPr id="1" name=""/>
+        <p:cNvGrpSpPr/>
+        <p:nvPr/>
+      </p:nvGrpSpPr>
+      <p:grpSpPr>
+        <a:xfrm>
+          <a:off x="0" y="0"/>
+          <a:ext cx="0" cy="0"/>
+          <a:chOff x="0" y="0"/>
+          <a:chExt cx="0" cy="0"/>
+        </a:xfrm>
+      </p:grpSpPr>
+      <p:sp>
+        <p:nvSpPr>
+          <p:cNvPr id="2" name="Заголовок 1"/>
+          <p:cNvSpPr>
+            <a:spLocks noGrp="1"/>
+          </p:cNvSpPr>
+          <p:nvPr>
+            <p:ph type="title"/>
+          </p:nvPr>
+        </p:nvSpPr>
+        <p:spPr/>
+        <p:txBody>
+          <a:bodyPr/>
+          <a:lstStyle/>
+          <a:p>
+            <a:r>
+              <a:rPr lang="ru-RU" dirty="0" smtClean="0"/>
+              <a:t>Конструктор, Деструктор</a:t>
+            </a:r>
+            <a:endParaRPr lang="ru-RU" dirty="0"/>
+          </a:p>
+        </p:txBody>
+      </p:sp>
+      <p:sp>
+        <p:nvSpPr>
+          <p:cNvPr id="3" name="Содержимое 2"/>
+          <p:cNvSpPr>
+            <a:spLocks noGrp="1"/>
+          </p:cNvSpPr>
+          <p:nvPr>
+            <p:ph idx="1"/>
+          </p:nvPr>
+        </p:nvSpPr>
+        <p:spPr/>
+        <p:txBody>
+          <a:bodyPr>
+            <a:normAutofit fontScale="85000" lnSpcReduction="20000"/>
+          </a:bodyPr>
+          <a:lstStyle/>
+          <a:p>
+            <a:r>
+              <a:rPr lang="ru-RU" smtClean="0"/>
+              <a:t>Конструктор — это особая функция-член, инициализирующая экземпляр своего класса. Конструкторы имеют имена, совпадающие с именами классов, и не имеют возвращаемых значений. </a:t>
+            </a:r>
+          </a:p>
+          <a:p>
+            <a:r>
+              <a:rPr lang="ru-RU" smtClean="0"/>
+              <a:t>Функции-деструкторы представляют собой противоположность конструкторам. Они вызываются при уничтожении (отмене выделения памяти) объектов. Для того чтобы указать функцию как деструктор класса, необходимо указать перед именем класса знак тильды (</a:t>
+            </a:r>
+            <a:r>
+              <a:rPr lang="ru-RU" b="1" smtClean="0"/>
+              <a:t>~</a:t>
+            </a:r>
+            <a:r>
+              <a:rPr lang="ru-RU" smtClean="0"/>
+              <a:t>). Например, деструктор для класса String объявляется следующим образом: ~String()</a:t>
+            </a:r>
+            <a:endParaRPr lang="ru-RU" dirty="0"/>
+          </a:p>
+        </p:txBody>
+      </p:sp>
+    </p:spTree>
+  </p:cSld>
+  <p:clrMapOvr>
+    <a:masterClrMapping/>
+  </p:clrMapOvr>
+</p:sld>
+</file>
+
+<file path=ppt/slides/slide8.xml><?xml version="1.0" encoding="utf-8"?>
+<p:sld xmlns:a="http://schemas.openxmlformats.org/drawingml/2006/main" xmlns:r="http://schemas.openxmlformats.org/officeDocument/2006/relationships" xmlns:p="http://schemas.openxmlformats.org/presentationml/2006/main">
+  <p:cSld>
+    <p:spTree>
+      <p:nvGrpSpPr>
+        <p:cNvPr id="1" name=""/>
+        <p:cNvGrpSpPr/>
+        <p:nvPr/>
+      </p:nvGrpSpPr>
+      <p:grpSpPr>
+        <a:xfrm>
+          <a:off x="0" y="0"/>
+          <a:ext cx="0" cy="0"/>
+          <a:chOff x="0" y="0"/>
+          <a:chExt cx="0" cy="0"/>
+        </a:xfrm>
+      </p:grpSpPr>
+      <p:sp>
+        <p:nvSpPr>
+          <p:cNvPr id="2" name="Заголовок 1"/>
+          <p:cNvSpPr>
+            <a:spLocks noGrp="1"/>
+          </p:cNvSpPr>
+          <p:nvPr>
+            <p:ph type="title"/>
+          </p:nvPr>
+        </p:nvSpPr>
+        <p:spPr/>
+        <p:txBody>
+          <a:bodyPr/>
+          <a:lstStyle/>
+          <a:p>
+            <a:r>
+              <a:rPr lang="ru-RU" dirty="0" smtClean="0"/>
+              <a:t>Конструкторы</a:t>
+            </a:r>
+            <a:endParaRPr lang="ru-RU" dirty="0"/>
+          </a:p>
+        </p:txBody>
+      </p:sp>
+      <p:sp>
+        <p:nvSpPr>
+          <p:cNvPr id="3" name="Содержимое 2"/>
+          <p:cNvSpPr>
+            <a:spLocks noGrp="1"/>
+          </p:cNvSpPr>
+          <p:nvPr>
+            <p:ph idx="1"/>
+          </p:nvPr>
+        </p:nvSpPr>
+        <p:spPr>
+          <a:xfrm>
+            <a:off x="457200" y="1600200"/>
+            <a:ext cx="8229600" cy="5043510"/>
+          </a:xfrm>
+        </p:spPr>
+        <p:txBody>
+          <a:bodyPr>
+            <a:normAutofit lnSpcReduction="10000"/>
+          </a:bodyPr>
+          <a:lstStyle/>
+          <a:p>
+            <a:pPr fontAlgn="base"/>
+            <a:r>
+              <a:rPr lang="ru-RU" dirty="0" err="1" smtClean="0"/>
+              <a:t>class</a:t>
+            </a:r>
+            <a:r>
+              <a:rPr lang="ru-RU" dirty="0" smtClean="0"/>
+              <a:t> </a:t>
+            </a:r>
+            <a:r>
+              <a:rPr lang="en-US" dirty="0" err="1" smtClean="0"/>
+              <a:t>ClassName</a:t>
+            </a:r>
+            <a:endParaRPr lang="ru-RU" dirty="0" smtClean="0"/>
+          </a:p>
+          <a:p>
+            <a:pPr fontAlgn="base"/>
+            <a:r>
+              <a:rPr lang="ru-RU" dirty="0" smtClean="0"/>
+              <a:t>{</a:t>
+            </a:r>
+            <a:endParaRPr lang="en-US" dirty="0" smtClean="0"/>
+          </a:p>
+          <a:p>
+            <a:pPr fontAlgn="base"/>
+            <a:r>
+              <a:rPr lang="en-US" dirty="0" smtClean="0"/>
+              <a:t>public:</a:t>
+            </a:r>
+          </a:p>
+          <a:p>
+            <a:pPr fontAlgn="base"/>
+            <a:r>
+              <a:rPr lang="en-US" dirty="0" err="1" smtClean="0"/>
+              <a:t>ClassName</a:t>
+            </a:r>
+            <a:r>
+              <a:rPr lang="en-US" dirty="0" smtClean="0"/>
+              <a:t>(); // </a:t>
+            </a:r>
+            <a:r>
+              <a:rPr lang="ru-RU" dirty="0" smtClean="0"/>
+              <a:t>Конструктор по умолчанию</a:t>
+            </a:r>
+          </a:p>
+          <a:p>
+            <a:pPr fontAlgn="base"/>
+            <a:r>
+              <a:rPr lang="en-US" dirty="0" err="1" smtClean="0"/>
+              <a:t>ClassName</a:t>
+            </a:r>
+            <a:r>
+              <a:rPr lang="en-US" dirty="0" smtClean="0"/>
+              <a:t>(</a:t>
+            </a:r>
+            <a:r>
+              <a:rPr lang="en-US" dirty="0" err="1" smtClean="0"/>
+              <a:t>ClassName</a:t>
+            </a:r>
+            <a:r>
+              <a:rPr lang="en-US" dirty="0" smtClean="0"/>
+              <a:t>&amp; data); //</a:t>
+            </a:r>
+            <a:r>
+              <a:rPr lang="ru-RU" dirty="0" smtClean="0"/>
+              <a:t> конструктор копирования</a:t>
+            </a:r>
+          </a:p>
+          <a:p>
+            <a:pPr fontAlgn="base"/>
+            <a:r>
+              <a:rPr lang="en-US" dirty="0" err="1" smtClean="0"/>
+              <a:t>ClassName</a:t>
+            </a:r>
+            <a:r>
+              <a:rPr lang="en-US" dirty="0" smtClean="0"/>
+              <a:t>(</a:t>
+            </a:r>
+            <a:r>
+              <a:rPr lang="en-US" dirty="0" err="1" smtClean="0"/>
+              <a:t>int</a:t>
+            </a:r>
+            <a:r>
+              <a:rPr lang="en-US" dirty="0" smtClean="0"/>
+              <a:t> a, </a:t>
+            </a:r>
+            <a:r>
+              <a:rPr lang="en-US" dirty="0" err="1" smtClean="0"/>
+              <a:t>int</a:t>
+            </a:r>
+            <a:r>
+              <a:rPr lang="en-US" dirty="0" smtClean="0"/>
+              <a:t> b); // </a:t>
+            </a:r>
+            <a:r>
+              <a:rPr lang="ru-RU" dirty="0" smtClean="0"/>
+              <a:t>конструктор от двух параметров</a:t>
+            </a:r>
+          </a:p>
+          <a:p>
+            <a:r>
+              <a:rPr lang="ru-RU" dirty="0" smtClean="0"/>
+              <a:t>…..</a:t>
+            </a:r>
+            <a:endParaRPr lang="ru-RU" dirty="0"/>
+          </a:p>
+        </p:txBody>
+      </p:sp>
+    </p:spTree>
+  </p:cSld>
+  <p:clrMapOvr>
+    <a:masterClrMapping/>
+  </p:clrMapOvr>
+</p:sld>
+</file>
+
+<file path=ppt/slides/slide9.xml><?xml version="1.0" encoding="utf-8"?>
+<p:sld xmlns:a="http://schemas.openxmlformats.org/drawingml/2006/main" xmlns:r="http://schemas.openxmlformats.org/officeDocument/2006/relationships" xmlns:p="http://schemas.openxmlformats.org/presentationml/2006/main">
+  <p:cSld>
+    <p:spTree>
+      <p:nvGrpSpPr>
+        <p:cNvPr id="1" name=""/>
+        <p:cNvGrpSpPr/>
+        <p:nvPr/>
+      </p:nvGrpSpPr>
+      <p:grpSpPr>
+        <a:xfrm>
+          <a:off x="0" y="0"/>
+          <a:ext cx="0" cy="0"/>
+          <a:chOff x="0" y="0"/>
+          <a:chExt cx="0" cy="0"/>
+        </a:xfrm>
+      </p:grpSpPr>
+      <p:sp>
+        <p:nvSpPr>
+          <p:cNvPr id="2" name="Заголовок 1"/>
+          <p:cNvSpPr>
+            <a:spLocks noGrp="1"/>
+          </p:cNvSpPr>
+          <p:nvPr>
+            <p:ph type="title"/>
+          </p:nvPr>
+        </p:nvSpPr>
+        <p:spPr/>
+        <p:txBody>
+          <a:bodyPr/>
+          <a:lstStyle/>
+          <a:p>
+            <a:r>
+              <a:rPr lang="ru-RU" dirty="0" smtClean="0"/>
+              <a:t> Деструктор</a:t>
+            </a:r>
+            <a:endParaRPr lang="ru-RU" dirty="0"/>
+          </a:p>
+        </p:txBody>
+      </p:sp>
+      <p:sp>
+        <p:nvSpPr>
+          <p:cNvPr id="3" name="Содержимое 2"/>
+          <p:cNvSpPr>
+            <a:spLocks noGrp="1"/>
+          </p:cNvSpPr>
+          <p:nvPr>
+            <p:ph idx="1"/>
+          </p:nvPr>
+        </p:nvSpPr>
+        <p:spPr/>
+        <p:txBody>
+          <a:bodyPr/>
+          <a:lstStyle/>
+          <a:p>
+            <a:pPr fontAlgn="base"/>
+            <a:r>
+              <a:rPr lang="ru-RU" dirty="0" err="1" smtClean="0"/>
+              <a:t>class</a:t>
+            </a:r>
+            <a:r>
+              <a:rPr lang="ru-RU" dirty="0" smtClean="0"/>
+              <a:t> </a:t>
+            </a:r>
+            <a:r>
+              <a:rPr lang="en-US" dirty="0" err="1" smtClean="0"/>
+              <a:t>ClassName</a:t>
+            </a:r>
+            <a:endParaRPr lang="ru-RU" dirty="0" smtClean="0"/>
+          </a:p>
+          <a:p>
+            <a:pPr fontAlgn="base"/>
+            <a:r>
+              <a:rPr lang="ru-RU" dirty="0" smtClean="0"/>
+              <a:t>{</a:t>
+            </a:r>
+            <a:endParaRPr lang="en-US" dirty="0" smtClean="0"/>
+          </a:p>
+          <a:p>
+            <a:r>
+              <a:rPr lang="en-US" dirty="0" smtClean="0"/>
+              <a:t>~</a:t>
+            </a:r>
+            <a:r>
+              <a:rPr lang="en-US" dirty="0" err="1" smtClean="0"/>
+              <a:t>ClassName</a:t>
+            </a:r>
+            <a:r>
+              <a:rPr lang="en-US" dirty="0" smtClean="0"/>
+              <a:t>(); // </a:t>
+            </a:r>
+            <a:r>
+              <a:rPr lang="ru-RU" dirty="0" smtClean="0"/>
+              <a:t>деструктор</a:t>
+            </a:r>
+          </a:p>
+          <a:p>
+            <a:r>
+              <a:rPr lang="ru-RU" dirty="0" smtClean="0"/>
+              <a:t>…</a:t>
             </a:r>
             <a:endParaRPr lang="ru-RU" dirty="0"/>
           </a:p>
